--- a/Capstone 2/Capstone Presentation.pptx
+++ b/Capstone 2/Capstone Presentation.pptx
@@ -22,6 +22,9 @@
     <p:sldId id="267" r:id="rId17"/>
     <p:sldId id="268" r:id="rId18"/>
     <p:sldId id="269" r:id="rId19"/>
+    <p:sldId id="270" r:id="rId20"/>
+    <p:sldId id="271" r:id="rId21"/>
+    <p:sldId id="272" r:id="rId22"/>
   </p:sldIdLst>
   <p:sldSz cy="5143500" cx="9144000"/>
   <p:notesSz cx="6858000" cy="9144000"/>
@@ -803,7 +806,7 @@
   <p:cSld>
     <p:spTree>
       <p:nvGrpSpPr>
-        <p:cNvPr id="107" name="Shape 107"/>
+        <p:cNvPr id="105" name="Shape 105"/>
         <p:cNvGrpSpPr/>
         <p:nvPr/>
       </p:nvGrpSpPr>
@@ -817,7 +820,7 @@
       </p:grpSpPr>
       <p:sp>
         <p:nvSpPr>
-          <p:cNvPr id="108" name="Google Shape;108;gbb8bb4a0c7_0_25:notes"/>
+          <p:cNvPr id="106" name="Google Shape;106;gbb8bb4a0c7_0_20:notes"/>
           <p:cNvSpPr/>
           <p:nvPr>
             <p:ph idx="2" type="sldImg"/>
@@ -852,7 +855,7 @@
       </p:sp>
       <p:sp>
         <p:nvSpPr>
-          <p:cNvPr id="109" name="Google Shape;109;gbb8bb4a0c7_0_25:notes"/>
+          <p:cNvPr id="107" name="Google Shape;107;gbb8bb4a0c7_0_20:notes"/>
           <p:cNvSpPr txBox="1"/>
           <p:nvPr>
             <p:ph idx="1" type="body"/>
@@ -902,7 +905,7 @@
   <p:cSld>
     <p:spTree>
       <p:nvGrpSpPr>
-        <p:cNvPr id="114" name="Shape 114"/>
+        <p:cNvPr id="112" name="Shape 112"/>
         <p:cNvGrpSpPr/>
         <p:nvPr/>
       </p:nvGrpSpPr>
@@ -916,7 +919,7 @@
       </p:grpSpPr>
       <p:sp>
         <p:nvSpPr>
-          <p:cNvPr id="115" name="Google Shape;115;gbb8bb4a0c7_0_30:notes"/>
+          <p:cNvPr id="113" name="Google Shape;113;gbb8bb4a0c7_0_89:notes"/>
           <p:cNvSpPr/>
           <p:nvPr>
             <p:ph idx="2" type="sldImg"/>
@@ -951,7 +954,7 @@
       </p:sp>
       <p:sp>
         <p:nvSpPr>
-          <p:cNvPr id="116" name="Google Shape;116;gbb8bb4a0c7_0_30:notes"/>
+          <p:cNvPr id="114" name="Google Shape;114;gbb8bb4a0c7_0_89:notes"/>
           <p:cNvSpPr txBox="1"/>
           <p:nvPr>
             <p:ph idx="1" type="body"/>
@@ -1001,7 +1004,7 @@
   <p:cSld>
     <p:spTree>
       <p:nvGrpSpPr>
-        <p:cNvPr id="121" name="Shape 121"/>
+        <p:cNvPr id="119" name="Shape 119"/>
         <p:cNvGrpSpPr/>
         <p:nvPr/>
       </p:nvGrpSpPr>
@@ -1015,7 +1018,7 @@
       </p:grpSpPr>
       <p:sp>
         <p:nvSpPr>
-          <p:cNvPr id="122" name="Google Shape;122;gbb8bb4a0c7_0_35:notes"/>
+          <p:cNvPr id="120" name="Google Shape;120;gbb8bb4a0c7_0_25:notes"/>
           <p:cNvSpPr/>
           <p:nvPr>
             <p:ph idx="2" type="sldImg"/>
@@ -1050,7 +1053,7 @@
       </p:sp>
       <p:sp>
         <p:nvSpPr>
-          <p:cNvPr id="123" name="Google Shape;123;gbb8bb4a0c7_0_35:notes"/>
+          <p:cNvPr id="121" name="Google Shape;121;gbb8bb4a0c7_0_25:notes"/>
           <p:cNvSpPr txBox="1"/>
           <p:nvPr>
             <p:ph idx="1" type="body"/>
@@ -1100,7 +1103,7 @@
   <p:cSld>
     <p:spTree>
       <p:nvGrpSpPr>
-        <p:cNvPr id="127" name="Shape 127"/>
+        <p:cNvPr id="126" name="Shape 126"/>
         <p:cNvGrpSpPr/>
         <p:nvPr/>
       </p:nvGrpSpPr>
@@ -1114,7 +1117,7 @@
       </p:grpSpPr>
       <p:sp>
         <p:nvSpPr>
-          <p:cNvPr id="128" name="Google Shape;128;gbb8bb4a0c7_0_45:notes"/>
+          <p:cNvPr id="127" name="Google Shape;127;gbb8bb4a0c7_0_30:notes"/>
           <p:cNvSpPr/>
           <p:nvPr>
             <p:ph idx="2" type="sldImg"/>
@@ -1149,7 +1152,7 @@
       </p:sp>
       <p:sp>
         <p:nvSpPr>
-          <p:cNvPr id="129" name="Google Shape;129;gbb8bb4a0c7_0_45:notes"/>
+          <p:cNvPr id="128" name="Google Shape;128;gbb8bb4a0c7_0_30:notes"/>
           <p:cNvSpPr txBox="1"/>
           <p:nvPr>
             <p:ph idx="1" type="body"/>
@@ -1213,7 +1216,7 @@
       </p:grpSpPr>
       <p:sp>
         <p:nvSpPr>
-          <p:cNvPr id="134" name="Google Shape;134;gbb8bb4a0c7_0_50:notes"/>
+          <p:cNvPr id="134" name="Google Shape;134;gbb8bb4a0c7_0_35:notes"/>
           <p:cNvSpPr/>
           <p:nvPr>
             <p:ph idx="2" type="sldImg"/>
@@ -1248,7 +1251,304 @@
       </p:sp>
       <p:sp>
         <p:nvSpPr>
-          <p:cNvPr id="135" name="Google Shape;135;gbb8bb4a0c7_0_50:notes"/>
+          <p:cNvPr id="135" name="Google Shape;135;gbb8bb4a0c7_0_35:notes"/>
+          <p:cNvSpPr txBox="1"/>
+          <p:nvPr>
+            <p:ph idx="1" type="body"/>
+          </p:nvPr>
+        </p:nvSpPr>
+        <p:spPr>
+          <a:xfrm>
+            <a:off x="685800" y="4343400"/>
+            <a:ext cx="5486400" cy="4114800"/>
+          </a:xfrm>
+          <a:prstGeom prst="rect">
+            <a:avLst/>
+          </a:prstGeom>
+        </p:spPr>
+        <p:txBody>
+          <a:bodyPr anchorCtr="0" anchor="t" bIns="91425" lIns="91425" spcFirstLastPara="1" rIns="91425" wrap="square" tIns="91425">
+            <a:noAutofit/>
+          </a:bodyPr>
+          <a:lstStyle/>
+          <a:p>
+            <a:pPr indent="0" lvl="0" marL="0" rtl="0" algn="l">
+              <a:spcBef>
+                <a:spcPts val="0"/>
+              </a:spcBef>
+              <a:spcAft>
+                <a:spcPts val="0"/>
+              </a:spcAft>
+              <a:buNone/>
+            </a:pPr>
+            <a:r>
+              <a:t/>
+            </a:r>
+            <a:endParaRPr/>
+          </a:p>
+        </p:txBody>
+      </p:sp>
+    </p:spTree>
+  </p:cSld>
+  <p:clrMapOvr>
+    <a:masterClrMapping/>
+  </p:clrMapOvr>
+</p:notes>
+</file>
+
+<file path=ppt/notesSlides/notesSlide15.xml><?xml version="1.0" encoding="utf-8"?>
+<p:notes xmlns:a="http://schemas.openxmlformats.org/drawingml/2006/main" xmlns:r="http://schemas.openxmlformats.org/officeDocument/2006/relationships" xmlns:mc="http://schemas.openxmlformats.org/markup-compatibility/2006" xmlns:mv="urn:schemas-microsoft-com:mac:vml" xmlns:p="http://schemas.openxmlformats.org/presentationml/2006/main" xmlns:c="http://schemas.openxmlformats.org/drawingml/2006/chart" xmlns:dgm="http://schemas.openxmlformats.org/drawingml/2006/diagram" xmlns:o="urn:schemas-microsoft-com:office:office" xmlns:v="urn:schemas-microsoft-com:vml" xmlns:pvml="urn:schemas-microsoft-com:office:powerpoint" xmlns:com="http://schemas.openxmlformats.org/drawingml/2006/compatibility" xmlns:p14="http://schemas.microsoft.com/office/powerpoint/2010/main" xmlns:p15="http://schemas.microsoft.com/office/powerpoint/2012/main" xmlns:ahyp="http://schemas.microsoft.com/office/drawing/2018/hyperlinkcolor" showMasterPhAnim="0" showMasterSp="0">
+  <p:cSld>
+    <p:spTree>
+      <p:nvGrpSpPr>
+        <p:cNvPr id="139" name="Shape 139"/>
+        <p:cNvGrpSpPr/>
+        <p:nvPr/>
+      </p:nvGrpSpPr>
+      <p:grpSpPr>
+        <a:xfrm>
+          <a:off x="0" y="0"/>
+          <a:ext cx="0" cy="0"/>
+          <a:chOff x="0" y="0"/>
+          <a:chExt cx="0" cy="0"/>
+        </a:xfrm>
+      </p:grpSpPr>
+      <p:sp>
+        <p:nvSpPr>
+          <p:cNvPr id="140" name="Google Shape;140;gbb8bb4a0c7_0_45:notes"/>
+          <p:cNvSpPr/>
+          <p:nvPr>
+            <p:ph idx="2" type="sldImg"/>
+          </p:nvPr>
+        </p:nvSpPr>
+        <p:spPr>
+          <a:xfrm>
+            <a:off x="381300" y="685800"/>
+            <a:ext cx="6096000" cy="3429000"/>
+          </a:xfrm>
+          <a:custGeom>
+            <a:rect b="b" l="l" r="r" t="t"/>
+            <a:pathLst>
+              <a:path extrusionOk="0" h="120000" w="120000">
+                <a:moveTo>
+                  <a:pt x="0" y="0"/>
+                </a:moveTo>
+                <a:lnTo>
+                  <a:pt x="120000" y="0"/>
+                </a:lnTo>
+                <a:lnTo>
+                  <a:pt x="120000" y="120000"/>
+                </a:lnTo>
+                <a:lnTo>
+                  <a:pt x="0" y="120000"/>
+                </a:lnTo>
+                <a:close/>
+              </a:path>
+            </a:pathLst>
+          </a:custGeom>
+        </p:spPr>
+      </p:sp>
+      <p:sp>
+        <p:nvSpPr>
+          <p:cNvPr id="141" name="Google Shape;141;gbb8bb4a0c7_0_45:notes"/>
+          <p:cNvSpPr txBox="1"/>
+          <p:nvPr>
+            <p:ph idx="1" type="body"/>
+          </p:nvPr>
+        </p:nvSpPr>
+        <p:spPr>
+          <a:xfrm>
+            <a:off x="685800" y="4343400"/>
+            <a:ext cx="5486400" cy="4114800"/>
+          </a:xfrm>
+          <a:prstGeom prst="rect">
+            <a:avLst/>
+          </a:prstGeom>
+        </p:spPr>
+        <p:txBody>
+          <a:bodyPr anchorCtr="0" anchor="t" bIns="91425" lIns="91425" spcFirstLastPara="1" rIns="91425" wrap="square" tIns="91425">
+            <a:noAutofit/>
+          </a:bodyPr>
+          <a:lstStyle/>
+          <a:p>
+            <a:pPr indent="0" lvl="0" marL="0" rtl="0" algn="l">
+              <a:spcBef>
+                <a:spcPts val="0"/>
+              </a:spcBef>
+              <a:spcAft>
+                <a:spcPts val="0"/>
+              </a:spcAft>
+              <a:buNone/>
+            </a:pPr>
+            <a:r>
+              <a:t/>
+            </a:r>
+            <a:endParaRPr/>
+          </a:p>
+        </p:txBody>
+      </p:sp>
+    </p:spTree>
+  </p:cSld>
+  <p:clrMapOvr>
+    <a:masterClrMapping/>
+  </p:clrMapOvr>
+</p:notes>
+</file>
+
+<file path=ppt/notesSlides/notesSlide16.xml><?xml version="1.0" encoding="utf-8"?>
+<p:notes xmlns:a="http://schemas.openxmlformats.org/drawingml/2006/main" xmlns:r="http://schemas.openxmlformats.org/officeDocument/2006/relationships" xmlns:mc="http://schemas.openxmlformats.org/markup-compatibility/2006" xmlns:mv="urn:schemas-microsoft-com:mac:vml" xmlns:p="http://schemas.openxmlformats.org/presentationml/2006/main" xmlns:c="http://schemas.openxmlformats.org/drawingml/2006/chart" xmlns:dgm="http://schemas.openxmlformats.org/drawingml/2006/diagram" xmlns:o="urn:schemas-microsoft-com:office:office" xmlns:v="urn:schemas-microsoft-com:vml" xmlns:pvml="urn:schemas-microsoft-com:office:powerpoint" xmlns:com="http://schemas.openxmlformats.org/drawingml/2006/compatibility" xmlns:p14="http://schemas.microsoft.com/office/powerpoint/2010/main" xmlns:p15="http://schemas.microsoft.com/office/powerpoint/2012/main" xmlns:ahyp="http://schemas.microsoft.com/office/drawing/2018/hyperlinkcolor" showMasterPhAnim="0" showMasterSp="0">
+  <p:cSld>
+    <p:spTree>
+      <p:nvGrpSpPr>
+        <p:cNvPr id="145" name="Shape 145"/>
+        <p:cNvGrpSpPr/>
+        <p:nvPr/>
+      </p:nvGrpSpPr>
+      <p:grpSpPr>
+        <a:xfrm>
+          <a:off x="0" y="0"/>
+          <a:ext cx="0" cy="0"/>
+          <a:chOff x="0" y="0"/>
+          <a:chExt cx="0" cy="0"/>
+        </a:xfrm>
+      </p:grpSpPr>
+      <p:sp>
+        <p:nvSpPr>
+          <p:cNvPr id="146" name="Google Shape;146;gbb8bb4a0c7_0_50:notes"/>
+          <p:cNvSpPr/>
+          <p:nvPr>
+            <p:ph idx="2" type="sldImg"/>
+          </p:nvPr>
+        </p:nvSpPr>
+        <p:spPr>
+          <a:xfrm>
+            <a:off x="381300" y="685800"/>
+            <a:ext cx="6096000" cy="3429000"/>
+          </a:xfrm>
+          <a:custGeom>
+            <a:rect b="b" l="l" r="r" t="t"/>
+            <a:pathLst>
+              <a:path extrusionOk="0" h="120000" w="120000">
+                <a:moveTo>
+                  <a:pt x="0" y="0"/>
+                </a:moveTo>
+                <a:lnTo>
+                  <a:pt x="120000" y="0"/>
+                </a:lnTo>
+                <a:lnTo>
+                  <a:pt x="120000" y="120000"/>
+                </a:lnTo>
+                <a:lnTo>
+                  <a:pt x="0" y="120000"/>
+                </a:lnTo>
+                <a:close/>
+              </a:path>
+            </a:pathLst>
+          </a:custGeom>
+        </p:spPr>
+      </p:sp>
+      <p:sp>
+        <p:nvSpPr>
+          <p:cNvPr id="147" name="Google Shape;147;gbb8bb4a0c7_0_50:notes"/>
+          <p:cNvSpPr txBox="1"/>
+          <p:nvPr>
+            <p:ph idx="1" type="body"/>
+          </p:nvPr>
+        </p:nvSpPr>
+        <p:spPr>
+          <a:xfrm>
+            <a:off x="685800" y="4343400"/>
+            <a:ext cx="5486400" cy="4114800"/>
+          </a:xfrm>
+          <a:prstGeom prst="rect">
+            <a:avLst/>
+          </a:prstGeom>
+        </p:spPr>
+        <p:txBody>
+          <a:bodyPr anchorCtr="0" anchor="t" bIns="91425" lIns="91425" spcFirstLastPara="1" rIns="91425" wrap="square" tIns="91425">
+            <a:noAutofit/>
+          </a:bodyPr>
+          <a:lstStyle/>
+          <a:p>
+            <a:pPr indent="0" lvl="0" marL="0" rtl="0" algn="l">
+              <a:spcBef>
+                <a:spcPts val="0"/>
+              </a:spcBef>
+              <a:spcAft>
+                <a:spcPts val="0"/>
+              </a:spcAft>
+              <a:buNone/>
+            </a:pPr>
+            <a:r>
+              <a:t/>
+            </a:r>
+            <a:endParaRPr/>
+          </a:p>
+        </p:txBody>
+      </p:sp>
+    </p:spTree>
+  </p:cSld>
+  <p:clrMapOvr>
+    <a:masterClrMapping/>
+  </p:clrMapOvr>
+</p:notes>
+</file>
+
+<file path=ppt/notesSlides/notesSlide17.xml><?xml version="1.0" encoding="utf-8"?>
+<p:notes xmlns:a="http://schemas.openxmlformats.org/drawingml/2006/main" xmlns:r="http://schemas.openxmlformats.org/officeDocument/2006/relationships" xmlns:mc="http://schemas.openxmlformats.org/markup-compatibility/2006" xmlns:mv="urn:schemas-microsoft-com:mac:vml" xmlns:p="http://schemas.openxmlformats.org/presentationml/2006/main" xmlns:c="http://schemas.openxmlformats.org/drawingml/2006/chart" xmlns:dgm="http://schemas.openxmlformats.org/drawingml/2006/diagram" xmlns:o="urn:schemas-microsoft-com:office:office" xmlns:v="urn:schemas-microsoft-com:vml" xmlns:pvml="urn:schemas-microsoft-com:office:powerpoint" xmlns:com="http://schemas.openxmlformats.org/drawingml/2006/compatibility" xmlns:p14="http://schemas.microsoft.com/office/powerpoint/2010/main" xmlns:p15="http://schemas.microsoft.com/office/powerpoint/2012/main" xmlns:ahyp="http://schemas.microsoft.com/office/drawing/2018/hyperlinkcolor" showMasterPhAnim="0" showMasterSp="0">
+  <p:cSld>
+    <p:spTree>
+      <p:nvGrpSpPr>
+        <p:cNvPr id="151" name="Shape 151"/>
+        <p:cNvGrpSpPr/>
+        <p:nvPr/>
+      </p:nvGrpSpPr>
+      <p:grpSpPr>
+        <a:xfrm>
+          <a:off x="0" y="0"/>
+          <a:ext cx="0" cy="0"/>
+          <a:chOff x="0" y="0"/>
+          <a:chExt cx="0" cy="0"/>
+        </a:xfrm>
+      </p:grpSpPr>
+      <p:sp>
+        <p:nvSpPr>
+          <p:cNvPr id="152" name="Google Shape;152;gbe126a76d2_0_10:notes"/>
+          <p:cNvSpPr/>
+          <p:nvPr>
+            <p:ph idx="2" type="sldImg"/>
+          </p:nvPr>
+        </p:nvSpPr>
+        <p:spPr>
+          <a:xfrm>
+            <a:off x="381300" y="685800"/>
+            <a:ext cx="6096000" cy="3429000"/>
+          </a:xfrm>
+          <a:custGeom>
+            <a:rect b="b" l="l" r="r" t="t"/>
+            <a:pathLst>
+              <a:path extrusionOk="0" h="120000" w="120000">
+                <a:moveTo>
+                  <a:pt x="0" y="0"/>
+                </a:moveTo>
+                <a:lnTo>
+                  <a:pt x="120000" y="0"/>
+                </a:lnTo>
+                <a:lnTo>
+                  <a:pt x="120000" y="120000"/>
+                </a:lnTo>
+                <a:lnTo>
+                  <a:pt x="0" y="120000"/>
+                </a:lnTo>
+                <a:close/>
+              </a:path>
+            </a:pathLst>
+          </a:custGeom>
+        </p:spPr>
+      </p:sp>
+      <p:sp>
+        <p:nvSpPr>
+          <p:cNvPr id="153" name="Google Shape;153;gbe126a76d2_0_10:notes"/>
           <p:cNvSpPr txBox="1"/>
           <p:nvPr>
             <p:ph idx="1" type="body"/>
@@ -1510,7 +1810,7 @@
       </p:grpSpPr>
       <p:sp>
         <p:nvSpPr>
-          <p:cNvPr id="69" name="Google Shape;69;gbb8bb4a0c7_0_5:notes"/>
+          <p:cNvPr id="69" name="Google Shape;69;gbe126a76d2_0_5:notes"/>
           <p:cNvSpPr/>
           <p:nvPr>
             <p:ph idx="2" type="sldImg"/>
@@ -1545,7 +1845,7 @@
       </p:sp>
       <p:sp>
         <p:nvSpPr>
-          <p:cNvPr id="70" name="Google Shape;70;gbb8bb4a0c7_0_5:notes"/>
+          <p:cNvPr id="70" name="Google Shape;70;gbe126a76d2_0_5:notes"/>
           <p:cNvSpPr txBox="1"/>
           <p:nvPr>
             <p:ph idx="1" type="body"/>
@@ -1609,7 +1909,7 @@
       </p:grpSpPr>
       <p:sp>
         <p:nvSpPr>
-          <p:cNvPr id="75" name="Google Shape;75;gbb8bb4a0c7_0_10:notes"/>
+          <p:cNvPr id="75" name="Google Shape;75;gbb8bb4a0c7_0_5:notes"/>
           <p:cNvSpPr/>
           <p:nvPr>
             <p:ph idx="2" type="sldImg"/>
@@ -1644,7 +1944,7 @@
       </p:sp>
       <p:sp>
         <p:nvSpPr>
-          <p:cNvPr id="76" name="Google Shape;76;gbb8bb4a0c7_0_10:notes"/>
+          <p:cNvPr id="76" name="Google Shape;76;gbb8bb4a0c7_0_5:notes"/>
           <p:cNvSpPr txBox="1"/>
           <p:nvPr>
             <p:ph idx="1" type="body"/>
@@ -1708,7 +2008,7 @@
       </p:grpSpPr>
       <p:sp>
         <p:nvSpPr>
-          <p:cNvPr id="81" name="Google Shape;81;gbb8bb4a0c7_0_15:notes"/>
+          <p:cNvPr id="81" name="Google Shape;81;gbb8bb4a0c7_0_10:notes"/>
           <p:cNvSpPr/>
           <p:nvPr>
             <p:ph idx="2" type="sldImg"/>
@@ -1743,7 +2043,7 @@
       </p:sp>
       <p:sp>
         <p:nvSpPr>
-          <p:cNvPr id="82" name="Google Shape;82;gbb8bb4a0c7_0_15:notes"/>
+          <p:cNvPr id="82" name="Google Shape;82;gbb8bb4a0c7_0_10:notes"/>
           <p:cNvSpPr txBox="1"/>
           <p:nvPr>
             <p:ph idx="1" type="body"/>
@@ -1807,7 +2107,7 @@
       </p:grpSpPr>
       <p:sp>
         <p:nvSpPr>
-          <p:cNvPr id="87" name="Google Shape;87;gbb8bb4a0c7_0_40:notes"/>
+          <p:cNvPr id="87" name="Google Shape;87;gbb8bb4a0c7_0_15:notes"/>
           <p:cNvSpPr/>
           <p:nvPr>
             <p:ph idx="2" type="sldImg"/>
@@ -1842,7 +2142,7 @@
       </p:sp>
       <p:sp>
         <p:nvSpPr>
-          <p:cNvPr id="88" name="Google Shape;88;gbb8bb4a0c7_0_40:notes"/>
+          <p:cNvPr id="88" name="Google Shape;88;gbb8bb4a0c7_0_15:notes"/>
           <p:cNvSpPr txBox="1"/>
           <p:nvPr>
             <p:ph idx="1" type="body"/>
@@ -1892,7 +2192,7 @@
   <p:cSld>
     <p:spTree>
       <p:nvGrpSpPr>
-        <p:cNvPr id="93" name="Shape 93"/>
+        <p:cNvPr id="92" name="Shape 92"/>
         <p:cNvGrpSpPr/>
         <p:nvPr/>
       </p:nvGrpSpPr>
@@ -1906,7 +2206,7 @@
       </p:grpSpPr>
       <p:sp>
         <p:nvSpPr>
-          <p:cNvPr id="94" name="Google Shape;94;gbb8bb4a0c7_0_20:notes"/>
+          <p:cNvPr id="93" name="Google Shape;93;gbe126a76d2_0_0:notes"/>
           <p:cNvSpPr/>
           <p:nvPr>
             <p:ph idx="2" type="sldImg"/>
@@ -1941,7 +2241,7 @@
       </p:sp>
       <p:sp>
         <p:nvSpPr>
-          <p:cNvPr id="95" name="Google Shape;95;gbb8bb4a0c7_0_20:notes"/>
+          <p:cNvPr id="94" name="Google Shape;94;gbe126a76d2_0_0:notes"/>
           <p:cNvSpPr txBox="1"/>
           <p:nvPr>
             <p:ph idx="1" type="body"/>
@@ -1991,7 +2291,7 @@
   <p:cSld>
     <p:spTree>
       <p:nvGrpSpPr>
-        <p:cNvPr id="100" name="Shape 100"/>
+        <p:cNvPr id="98" name="Shape 98"/>
         <p:cNvGrpSpPr/>
         <p:nvPr/>
       </p:nvGrpSpPr>
@@ -2005,7 +2305,7 @@
       </p:grpSpPr>
       <p:sp>
         <p:nvSpPr>
-          <p:cNvPr id="101" name="Google Shape;101;gbb8bb4a0c7_0_89:notes"/>
+          <p:cNvPr id="99" name="Google Shape;99;gbb8bb4a0c7_0_40:notes"/>
           <p:cNvSpPr/>
           <p:nvPr>
             <p:ph idx="2" type="sldImg"/>
@@ -2040,7 +2340,7 @@
       </p:sp>
       <p:sp>
         <p:nvSpPr>
-          <p:cNvPr id="102" name="Google Shape;102;gbb8bb4a0c7_0_89:notes"/>
+          <p:cNvPr id="100" name="Google Shape;100;gbb8bb4a0c7_0_40:notes"/>
           <p:cNvSpPr txBox="1"/>
           <p:nvPr>
             <p:ph idx="1" type="body"/>
@@ -6784,10 +7084,10 @@
               <a:buNone/>
             </a:pPr>
             <a:r>
-              <a:rPr lang="en"/>
+              <a:rPr lang="en" sz="4800"/>
               <a:t>Prediction of Housing Prices</a:t>
             </a:r>
-            <a:endParaRPr/>
+            <a:endParaRPr sz="4800"/>
           </a:p>
         </p:txBody>
       </p:sp>
@@ -6844,7 +7144,7 @@
   <p:cSld>
     <p:spTree>
       <p:nvGrpSpPr>
-        <p:cNvPr id="110" name="Shape 110"/>
+        <p:cNvPr id="108" name="Shape 108"/>
         <p:cNvGrpSpPr/>
         <p:nvPr/>
       </p:nvGrpSpPr>
@@ -6858,7 +7158,7 @@
       </p:grpSpPr>
       <p:sp>
         <p:nvSpPr>
-          <p:cNvPr id="111" name="Google Shape;111;p22"/>
+          <p:cNvPr id="109" name="Google Shape;109;p22"/>
           <p:cNvSpPr txBox="1"/>
           <p:nvPr>
             <p:ph idx="4294967295" type="title"/>
@@ -6886,16 +7186,11 @@
               <a:spcAft>
                 <a:spcPts val="0"/>
               </a:spcAft>
-              <a:buClr>
-                <a:schemeClr val="dk1"/>
-              </a:buClr>
-              <a:buSzPct val="39285"/>
-              <a:buFont typeface="Arial"/>
               <a:buNone/>
             </a:pPr>
             <a:r>
               <a:rPr lang="en"/>
-              <a:t>Exploratory Data Analysis (cont.)</a:t>
+              <a:t>Exploratory Data Analysis</a:t>
             </a:r>
             <a:endParaRPr/>
           </a:p>
@@ -6903,7 +7198,7 @@
       </p:sp>
       <p:sp>
         <p:nvSpPr>
-          <p:cNvPr id="112" name="Google Shape;112;p22"/>
+          <p:cNvPr id="110" name="Google Shape;110;p22"/>
           <p:cNvSpPr txBox="1"/>
           <p:nvPr>
             <p:ph idx="1" type="body"/>
@@ -6935,7 +7230,7 @@
             </a:pPr>
             <a:r>
               <a:rPr lang="en"/>
-              <a:t>Plotting overall quality with sale price. Quality is positively correlated with sale price.</a:t>
+              <a:t>Plotting the age of the house against the sale price. Age of the house is negatively correlated with sale price.</a:t>
             </a:r>
             <a:endParaRPr/>
           </a:p>
@@ -6943,7 +7238,278 @@
       </p:sp>
       <p:pic>
         <p:nvPicPr>
-          <p:cNvPr id="113" name="Google Shape;113;p22"/>
+          <p:cNvPr id="111" name="Google Shape;111;p22"/>
+          <p:cNvPicPr preferRelativeResize="0"/>
+          <p:nvPr/>
+        </p:nvPicPr>
+        <p:blipFill>
+          <a:blip r:embed="rId3">
+            <a:alphaModFix/>
+          </a:blip>
+          <a:stretch>
+            <a:fillRect/>
+          </a:stretch>
+        </p:blipFill>
+        <p:spPr>
+          <a:xfrm>
+            <a:off x="2628900" y="1087000"/>
+            <a:ext cx="3886200" cy="2647950"/>
+          </a:xfrm>
+          <a:prstGeom prst="rect">
+            <a:avLst/>
+          </a:prstGeom>
+          <a:noFill/>
+          <a:ln>
+            <a:noFill/>
+          </a:ln>
+        </p:spPr>
+      </p:pic>
+    </p:spTree>
+  </p:cSld>
+  <p:clrMapOvr>
+    <a:masterClrMapping/>
+  </p:clrMapOvr>
+</p:sld>
+</file>
+
+<file path=ppt/slides/slide11.xml><?xml version="1.0" encoding="utf-8"?>
+<p:sld xmlns:a="http://schemas.openxmlformats.org/drawingml/2006/main" xmlns:r="http://schemas.openxmlformats.org/officeDocument/2006/relationships" xmlns:mc="http://schemas.openxmlformats.org/markup-compatibility/2006" xmlns:mv="urn:schemas-microsoft-com:mac:vml" xmlns:p="http://schemas.openxmlformats.org/presentationml/2006/main" xmlns:c="http://schemas.openxmlformats.org/drawingml/2006/chart" xmlns:dgm="http://schemas.openxmlformats.org/drawingml/2006/diagram" xmlns:o="urn:schemas-microsoft-com:office:office" xmlns:v="urn:schemas-microsoft-com:vml" xmlns:pvml="urn:schemas-microsoft-com:office:powerpoint" xmlns:com="http://schemas.openxmlformats.org/drawingml/2006/compatibility" xmlns:p14="http://schemas.microsoft.com/office/powerpoint/2010/main" xmlns:p15="http://schemas.microsoft.com/office/powerpoint/2012/main" xmlns:ahyp="http://schemas.microsoft.com/office/drawing/2018/hyperlinkcolor">
+  <p:cSld>
+    <p:spTree>
+      <p:nvGrpSpPr>
+        <p:cNvPr id="115" name="Shape 115"/>
+        <p:cNvGrpSpPr/>
+        <p:nvPr/>
+      </p:nvGrpSpPr>
+      <p:grpSpPr>
+        <a:xfrm>
+          <a:off x="0" y="0"/>
+          <a:ext cx="0" cy="0"/>
+          <a:chOff x="0" y="0"/>
+          <a:chExt cx="0" cy="0"/>
+        </a:xfrm>
+      </p:grpSpPr>
+      <p:sp>
+        <p:nvSpPr>
+          <p:cNvPr id="116" name="Google Shape;116;p23"/>
+          <p:cNvSpPr txBox="1"/>
+          <p:nvPr>
+            <p:ph idx="1" type="body"/>
+          </p:nvPr>
+        </p:nvSpPr>
+        <p:spPr>
+          <a:xfrm>
+            <a:off x="311700" y="4230575"/>
+            <a:ext cx="5998800" cy="605100"/>
+          </a:xfrm>
+          <a:prstGeom prst="rect">
+            <a:avLst/>
+          </a:prstGeom>
+        </p:spPr>
+        <p:txBody>
+          <a:bodyPr anchorCtr="0" anchor="ctr" bIns="91425" lIns="91425" spcFirstLastPara="1" rIns="91425" wrap="square" tIns="91425">
+            <a:normAutofit fontScale="85000" lnSpcReduction="10000"/>
+          </a:bodyPr>
+          <a:lstStyle/>
+          <a:p>
+            <a:pPr indent="0" lvl="0" marL="0" rtl="0" algn="l">
+              <a:spcBef>
+                <a:spcPts val="0"/>
+              </a:spcBef>
+              <a:spcAft>
+                <a:spcPts val="0"/>
+              </a:spcAft>
+              <a:buNone/>
+            </a:pPr>
+            <a:r>
+              <a:rPr lang="en"/>
+              <a:t>Plotting sale price against greater living area A strongly positive correlation can be seen between the living area and sale price.</a:t>
+            </a:r>
+            <a:endParaRPr/>
+          </a:p>
+        </p:txBody>
+      </p:sp>
+      <p:sp>
+        <p:nvSpPr>
+          <p:cNvPr id="117" name="Google Shape;117;p23"/>
+          <p:cNvSpPr txBox="1"/>
+          <p:nvPr>
+            <p:ph idx="4294967295" type="title"/>
+          </p:nvPr>
+        </p:nvSpPr>
+        <p:spPr>
+          <a:xfrm>
+            <a:off x="311700" y="445025"/>
+            <a:ext cx="8520600" cy="572700"/>
+          </a:xfrm>
+          <a:prstGeom prst="rect">
+            <a:avLst/>
+          </a:prstGeom>
+        </p:spPr>
+        <p:txBody>
+          <a:bodyPr anchorCtr="0" anchor="t" bIns="91425" lIns="91425" spcFirstLastPara="1" rIns="91425" wrap="square" tIns="91425">
+            <a:normAutofit fontScale="90000"/>
+          </a:bodyPr>
+          <a:lstStyle/>
+          <a:p>
+            <a:pPr indent="0" lvl="0" marL="0" rtl="0" algn="l">
+              <a:spcBef>
+                <a:spcPts val="0"/>
+              </a:spcBef>
+              <a:spcAft>
+                <a:spcPts val="0"/>
+              </a:spcAft>
+              <a:buNone/>
+            </a:pPr>
+            <a:r>
+              <a:rPr lang="en"/>
+              <a:t>Exploratory Data Analysis (cont.)</a:t>
+            </a:r>
+            <a:endParaRPr/>
+          </a:p>
+        </p:txBody>
+      </p:sp>
+      <p:pic>
+        <p:nvPicPr>
+          <p:cNvPr id="118" name="Google Shape;118;p23"/>
+          <p:cNvPicPr preferRelativeResize="0"/>
+          <p:nvPr/>
+        </p:nvPicPr>
+        <p:blipFill>
+          <a:blip r:embed="rId3">
+            <a:alphaModFix/>
+          </a:blip>
+          <a:stretch>
+            <a:fillRect/>
+          </a:stretch>
+        </p:blipFill>
+        <p:spPr>
+          <a:xfrm>
+            <a:off x="2628900" y="1149325"/>
+            <a:ext cx="3886200" cy="2647950"/>
+          </a:xfrm>
+          <a:prstGeom prst="rect">
+            <a:avLst/>
+          </a:prstGeom>
+          <a:noFill/>
+          <a:ln>
+            <a:noFill/>
+          </a:ln>
+        </p:spPr>
+      </p:pic>
+    </p:spTree>
+  </p:cSld>
+  <p:clrMapOvr>
+    <a:masterClrMapping/>
+  </p:clrMapOvr>
+</p:sld>
+</file>
+
+<file path=ppt/slides/slide12.xml><?xml version="1.0" encoding="utf-8"?>
+<p:sld xmlns:a="http://schemas.openxmlformats.org/drawingml/2006/main" xmlns:r="http://schemas.openxmlformats.org/officeDocument/2006/relationships" xmlns:mc="http://schemas.openxmlformats.org/markup-compatibility/2006" xmlns:mv="urn:schemas-microsoft-com:mac:vml" xmlns:p="http://schemas.openxmlformats.org/presentationml/2006/main" xmlns:c="http://schemas.openxmlformats.org/drawingml/2006/chart" xmlns:dgm="http://schemas.openxmlformats.org/drawingml/2006/diagram" xmlns:o="urn:schemas-microsoft-com:office:office" xmlns:v="urn:schemas-microsoft-com:vml" xmlns:pvml="urn:schemas-microsoft-com:office:powerpoint" xmlns:com="http://schemas.openxmlformats.org/drawingml/2006/compatibility" xmlns:p14="http://schemas.microsoft.com/office/powerpoint/2010/main" xmlns:p15="http://schemas.microsoft.com/office/powerpoint/2012/main" xmlns:ahyp="http://schemas.microsoft.com/office/drawing/2018/hyperlinkcolor">
+  <p:cSld>
+    <p:spTree>
+      <p:nvGrpSpPr>
+        <p:cNvPr id="122" name="Shape 122"/>
+        <p:cNvGrpSpPr/>
+        <p:nvPr/>
+      </p:nvGrpSpPr>
+      <p:grpSpPr>
+        <a:xfrm>
+          <a:off x="0" y="0"/>
+          <a:ext cx="0" cy="0"/>
+          <a:chOff x="0" y="0"/>
+          <a:chExt cx="0" cy="0"/>
+        </a:xfrm>
+      </p:grpSpPr>
+      <p:sp>
+        <p:nvSpPr>
+          <p:cNvPr id="123" name="Google Shape;123;p24"/>
+          <p:cNvSpPr txBox="1"/>
+          <p:nvPr>
+            <p:ph idx="4294967295" type="title"/>
+          </p:nvPr>
+        </p:nvSpPr>
+        <p:spPr>
+          <a:xfrm>
+            <a:off x="311700" y="445025"/>
+            <a:ext cx="8520600" cy="572700"/>
+          </a:xfrm>
+          <a:prstGeom prst="rect">
+            <a:avLst/>
+          </a:prstGeom>
+        </p:spPr>
+        <p:txBody>
+          <a:bodyPr anchorCtr="0" anchor="t" bIns="91425" lIns="91425" spcFirstLastPara="1" rIns="91425" wrap="square" tIns="91425">
+            <a:normAutofit fontScale="90000"/>
+          </a:bodyPr>
+          <a:lstStyle/>
+          <a:p>
+            <a:pPr indent="0" lvl="0" marL="0" rtl="0" algn="l">
+              <a:spcBef>
+                <a:spcPts val="0"/>
+              </a:spcBef>
+              <a:spcAft>
+                <a:spcPts val="0"/>
+              </a:spcAft>
+              <a:buClr>
+                <a:schemeClr val="dk1"/>
+              </a:buClr>
+              <a:buSzPct val="39285"/>
+              <a:buFont typeface="Arial"/>
+              <a:buNone/>
+            </a:pPr>
+            <a:r>
+              <a:rPr lang="en"/>
+              <a:t>Exploratory Data Analysis (cont.)</a:t>
+            </a:r>
+            <a:endParaRPr/>
+          </a:p>
+        </p:txBody>
+      </p:sp>
+      <p:sp>
+        <p:nvSpPr>
+          <p:cNvPr id="124" name="Google Shape;124;p24"/>
+          <p:cNvSpPr txBox="1"/>
+          <p:nvPr>
+            <p:ph idx="1" type="body"/>
+          </p:nvPr>
+        </p:nvSpPr>
+        <p:spPr>
+          <a:xfrm>
+            <a:off x="311700" y="4230575"/>
+            <a:ext cx="5998800" cy="605100"/>
+          </a:xfrm>
+          <a:prstGeom prst="rect">
+            <a:avLst/>
+          </a:prstGeom>
+        </p:spPr>
+        <p:txBody>
+          <a:bodyPr anchorCtr="0" anchor="ctr" bIns="91425" lIns="91425" spcFirstLastPara="1" rIns="91425" wrap="square" tIns="91425">
+            <a:normAutofit fontScale="92500" lnSpcReduction="20000"/>
+          </a:bodyPr>
+          <a:lstStyle/>
+          <a:p>
+            <a:pPr indent="0" lvl="0" marL="0" rtl="0" algn="l">
+              <a:spcBef>
+                <a:spcPts val="0"/>
+              </a:spcBef>
+              <a:spcAft>
+                <a:spcPts val="0"/>
+              </a:spcAft>
+              <a:buNone/>
+            </a:pPr>
+            <a:r>
+              <a:rPr lang="en"/>
+              <a:t>Plotting overall quality with sale price. Quality is positively correlated with sale price.</a:t>
+            </a:r>
+            <a:endParaRPr/>
+          </a:p>
+        </p:txBody>
+      </p:sp>
+      <p:pic>
+        <p:nvPicPr>
+          <p:cNvPr id="125" name="Google Shape;125;p24"/>
           <p:cNvPicPr preferRelativeResize="0"/>
           <p:nvPr/>
         </p:nvPicPr>
@@ -6977,12 +7543,12 @@
 </p:sld>
 </file>
 
-<file path=ppt/slides/slide11.xml><?xml version="1.0" encoding="utf-8"?>
+<file path=ppt/slides/slide13.xml><?xml version="1.0" encoding="utf-8"?>
 <p:sld xmlns:a="http://schemas.openxmlformats.org/drawingml/2006/main" xmlns:r="http://schemas.openxmlformats.org/officeDocument/2006/relationships" xmlns:mc="http://schemas.openxmlformats.org/markup-compatibility/2006" xmlns:mv="urn:schemas-microsoft-com:mac:vml" xmlns:p="http://schemas.openxmlformats.org/presentationml/2006/main" xmlns:c="http://schemas.openxmlformats.org/drawingml/2006/chart" xmlns:dgm="http://schemas.openxmlformats.org/drawingml/2006/diagram" xmlns:o="urn:schemas-microsoft-com:office:office" xmlns:v="urn:schemas-microsoft-com:vml" xmlns:pvml="urn:schemas-microsoft-com:office:powerpoint" xmlns:com="http://schemas.openxmlformats.org/drawingml/2006/compatibility" xmlns:p14="http://schemas.microsoft.com/office/powerpoint/2010/main" xmlns:p15="http://schemas.microsoft.com/office/powerpoint/2012/main" xmlns:ahyp="http://schemas.microsoft.com/office/drawing/2018/hyperlinkcolor">
   <p:cSld>
     <p:spTree>
       <p:nvGrpSpPr>
-        <p:cNvPr id="117" name="Shape 117"/>
+        <p:cNvPr id="129" name="Shape 129"/>
         <p:cNvGrpSpPr/>
         <p:nvPr/>
       </p:nvGrpSpPr>
@@ -6996,7 +7562,7 @@
       </p:grpSpPr>
       <p:sp>
         <p:nvSpPr>
-          <p:cNvPr id="118" name="Google Shape;118;p23"/>
+          <p:cNvPr id="130" name="Google Shape;130;p25"/>
           <p:cNvSpPr txBox="1"/>
           <p:nvPr>
             <p:ph idx="4294967295" type="title"/>
@@ -7041,7 +7607,7 @@
       </p:sp>
       <p:sp>
         <p:nvSpPr>
-          <p:cNvPr id="119" name="Google Shape;119;p23"/>
+          <p:cNvPr id="131" name="Google Shape;131;p25"/>
           <p:cNvSpPr txBox="1"/>
           <p:nvPr>
             <p:ph idx="1" type="body"/>
@@ -7081,7 +7647,7 @@
       </p:sp>
       <p:pic>
         <p:nvPicPr>
-          <p:cNvPr id="120" name="Google Shape;120;p23"/>
+          <p:cNvPr id="132" name="Google Shape;132;p25"/>
           <p:cNvPicPr preferRelativeResize="0"/>
           <p:nvPr/>
         </p:nvPicPr>
@@ -7107,506 +7673,6 @@
           </a:ln>
         </p:spPr>
       </p:pic>
-    </p:spTree>
-  </p:cSld>
-  <p:clrMapOvr>
-    <a:masterClrMapping/>
-  </p:clrMapOvr>
-</p:sld>
-</file>
-
-<file path=ppt/slides/slide12.xml><?xml version="1.0" encoding="utf-8"?>
-<p:sld xmlns:a="http://schemas.openxmlformats.org/drawingml/2006/main" xmlns:r="http://schemas.openxmlformats.org/officeDocument/2006/relationships" xmlns:mc="http://schemas.openxmlformats.org/markup-compatibility/2006" xmlns:mv="urn:schemas-microsoft-com:mac:vml" xmlns:p="http://schemas.openxmlformats.org/presentationml/2006/main" xmlns:c="http://schemas.openxmlformats.org/drawingml/2006/chart" xmlns:dgm="http://schemas.openxmlformats.org/drawingml/2006/diagram" xmlns:o="urn:schemas-microsoft-com:office:office" xmlns:v="urn:schemas-microsoft-com:vml" xmlns:pvml="urn:schemas-microsoft-com:office:powerpoint" xmlns:com="http://schemas.openxmlformats.org/drawingml/2006/compatibility" xmlns:p14="http://schemas.microsoft.com/office/powerpoint/2010/main" xmlns:p15="http://schemas.microsoft.com/office/powerpoint/2012/main" xmlns:ahyp="http://schemas.microsoft.com/office/drawing/2018/hyperlinkcolor">
-  <p:cSld>
-    <p:spTree>
-      <p:nvGrpSpPr>
-        <p:cNvPr id="124" name="Shape 124"/>
-        <p:cNvGrpSpPr/>
-        <p:nvPr/>
-      </p:nvGrpSpPr>
-      <p:grpSpPr>
-        <a:xfrm>
-          <a:off x="0" y="0"/>
-          <a:ext cx="0" cy="0"/>
-          <a:chOff x="0" y="0"/>
-          <a:chExt cx="0" cy="0"/>
-        </a:xfrm>
-      </p:grpSpPr>
-      <p:sp>
-        <p:nvSpPr>
-          <p:cNvPr id="125" name="Google Shape;125;p24"/>
-          <p:cNvSpPr txBox="1"/>
-          <p:nvPr>
-            <p:ph type="title"/>
-          </p:nvPr>
-        </p:nvSpPr>
-        <p:spPr>
-          <a:xfrm>
-            <a:off x="311700" y="445025"/>
-            <a:ext cx="8520600" cy="572700"/>
-          </a:xfrm>
-          <a:prstGeom prst="rect">
-            <a:avLst/>
-          </a:prstGeom>
-        </p:spPr>
-        <p:txBody>
-          <a:bodyPr anchorCtr="0" anchor="t" bIns="91425" lIns="91425" spcFirstLastPara="1" rIns="91425" wrap="square" tIns="91425">
-            <a:normAutofit fontScale="90000"/>
-          </a:bodyPr>
-          <a:lstStyle/>
-          <a:p>
-            <a:pPr indent="0" lvl="0" marL="0" rtl="0" algn="l">
-              <a:spcBef>
-                <a:spcPts val="0"/>
-              </a:spcBef>
-              <a:spcAft>
-                <a:spcPts val="0"/>
-              </a:spcAft>
-              <a:buNone/>
-            </a:pPr>
-            <a:r>
-              <a:rPr lang="en"/>
-              <a:t>Machine learning</a:t>
-            </a:r>
-            <a:endParaRPr/>
-          </a:p>
-        </p:txBody>
-      </p:sp>
-      <p:sp>
-        <p:nvSpPr>
-          <p:cNvPr id="126" name="Google Shape;126;p24"/>
-          <p:cNvSpPr txBox="1"/>
-          <p:nvPr>
-            <p:ph idx="1" type="body"/>
-          </p:nvPr>
-        </p:nvSpPr>
-        <p:spPr>
-          <a:xfrm>
-            <a:off x="311700" y="1152475"/>
-            <a:ext cx="8520600" cy="3416400"/>
-          </a:xfrm>
-          <a:prstGeom prst="rect">
-            <a:avLst/>
-          </a:prstGeom>
-        </p:spPr>
-        <p:txBody>
-          <a:bodyPr anchorCtr="0" anchor="t" bIns="91425" lIns="91425" spcFirstLastPara="1" rIns="91425" wrap="square" tIns="91425">
-            <a:normAutofit lnSpcReduction="10000"/>
-          </a:bodyPr>
-          <a:lstStyle/>
-          <a:p>
-            <a:pPr indent="0" lvl="0" marL="0" rtl="0" algn="l">
-              <a:spcBef>
-                <a:spcPts val="0"/>
-              </a:spcBef>
-              <a:spcAft>
-                <a:spcPts val="0"/>
-              </a:spcAft>
-              <a:buNone/>
-            </a:pPr>
-            <a:r>
-              <a:rPr lang="en"/>
-              <a:t>Comparing different regression models:</a:t>
-            </a:r>
-            <a:endParaRPr/>
-          </a:p>
-          <a:p>
-            <a:pPr indent="-342900" lvl="0" marL="457200" rtl="0" algn="l">
-              <a:lnSpc>
-                <a:spcPct val="150000"/>
-              </a:lnSpc>
-              <a:spcBef>
-                <a:spcPts val="1200"/>
-              </a:spcBef>
-              <a:spcAft>
-                <a:spcPts val="0"/>
-              </a:spcAft>
-              <a:buSzPts val="1800"/>
-              <a:buChar char="●"/>
-            </a:pPr>
-            <a:r>
-              <a:rPr lang="en"/>
-              <a:t>Linear Regression</a:t>
-            </a:r>
-            <a:endParaRPr/>
-          </a:p>
-          <a:p>
-            <a:pPr indent="-317500" lvl="1" marL="914400" rtl="0" algn="l">
-              <a:lnSpc>
-                <a:spcPct val="150000"/>
-              </a:lnSpc>
-              <a:spcBef>
-                <a:spcPts val="0"/>
-              </a:spcBef>
-              <a:spcAft>
-                <a:spcPts val="0"/>
-              </a:spcAft>
-              <a:buSzPts val="1400"/>
-              <a:buChar char="○"/>
-            </a:pPr>
-            <a:r>
-              <a:rPr lang="en"/>
-              <a:t>R-squared: 83.6%</a:t>
-            </a:r>
-            <a:endParaRPr/>
-          </a:p>
-          <a:p>
-            <a:pPr indent="-342900" lvl="0" marL="457200" rtl="0" algn="l">
-              <a:lnSpc>
-                <a:spcPct val="150000"/>
-              </a:lnSpc>
-              <a:spcBef>
-                <a:spcPts val="0"/>
-              </a:spcBef>
-              <a:spcAft>
-                <a:spcPts val="0"/>
-              </a:spcAft>
-              <a:buSzPts val="1800"/>
-              <a:buChar char="●"/>
-            </a:pPr>
-            <a:r>
-              <a:rPr lang="en"/>
-              <a:t>Ordinary Least Squares</a:t>
-            </a:r>
-            <a:endParaRPr/>
-          </a:p>
-          <a:p>
-            <a:pPr indent="-317500" lvl="1" marL="914400" rtl="0" algn="l">
-              <a:lnSpc>
-                <a:spcPct val="150000"/>
-              </a:lnSpc>
-              <a:spcBef>
-                <a:spcPts val="0"/>
-              </a:spcBef>
-              <a:spcAft>
-                <a:spcPts val="0"/>
-              </a:spcAft>
-              <a:buSzPts val="1400"/>
-              <a:buChar char="○"/>
-            </a:pPr>
-            <a:r>
-              <a:rPr lang="en"/>
-              <a:t>R-squared: 80.0%</a:t>
-            </a:r>
-            <a:endParaRPr/>
-          </a:p>
-          <a:p>
-            <a:pPr indent="-342900" lvl="0" marL="457200" rtl="0" algn="l">
-              <a:lnSpc>
-                <a:spcPct val="150000"/>
-              </a:lnSpc>
-              <a:spcBef>
-                <a:spcPts val="0"/>
-              </a:spcBef>
-              <a:spcAft>
-                <a:spcPts val="0"/>
-              </a:spcAft>
-              <a:buSzPts val="1800"/>
-              <a:buChar char="●"/>
-            </a:pPr>
-            <a:r>
-              <a:rPr lang="en"/>
-              <a:t>Random Forest Regressor</a:t>
-            </a:r>
-            <a:endParaRPr/>
-          </a:p>
-          <a:p>
-            <a:pPr indent="-317500" lvl="1" marL="914400" rtl="0" algn="l">
-              <a:lnSpc>
-                <a:spcPct val="150000"/>
-              </a:lnSpc>
-              <a:spcBef>
-                <a:spcPts val="0"/>
-              </a:spcBef>
-              <a:spcAft>
-                <a:spcPts val="0"/>
-              </a:spcAft>
-              <a:buSzPts val="1400"/>
-              <a:buChar char="○"/>
-            </a:pPr>
-            <a:r>
-              <a:rPr lang="en"/>
-              <a:t>R-squared: 90.0%</a:t>
-            </a:r>
-            <a:endParaRPr/>
-          </a:p>
-          <a:p>
-            <a:pPr indent="-342900" lvl="0" marL="457200" rtl="0" algn="l">
-              <a:lnSpc>
-                <a:spcPct val="150000"/>
-              </a:lnSpc>
-              <a:spcBef>
-                <a:spcPts val="0"/>
-              </a:spcBef>
-              <a:spcAft>
-                <a:spcPts val="0"/>
-              </a:spcAft>
-              <a:buSzPts val="1800"/>
-              <a:buChar char="●"/>
-            </a:pPr>
-            <a:r>
-              <a:rPr lang="en"/>
-              <a:t>SVM</a:t>
-            </a:r>
-            <a:endParaRPr/>
-          </a:p>
-          <a:p>
-            <a:pPr indent="-317500" lvl="1" marL="914400" rtl="0" algn="l">
-              <a:lnSpc>
-                <a:spcPct val="150000"/>
-              </a:lnSpc>
-              <a:spcBef>
-                <a:spcPts val="0"/>
-              </a:spcBef>
-              <a:spcAft>
-                <a:spcPts val="0"/>
-              </a:spcAft>
-              <a:buSzPts val="1400"/>
-              <a:buChar char="○"/>
-            </a:pPr>
-            <a:r>
-              <a:rPr lang="en"/>
-              <a:t>R-squared: -0.03%</a:t>
-            </a:r>
-            <a:endParaRPr/>
-          </a:p>
-        </p:txBody>
-      </p:sp>
-    </p:spTree>
-  </p:cSld>
-  <p:clrMapOvr>
-    <a:masterClrMapping/>
-  </p:clrMapOvr>
-</p:sld>
-</file>
-
-<file path=ppt/slides/slide13.xml><?xml version="1.0" encoding="utf-8"?>
-<p:sld xmlns:a="http://schemas.openxmlformats.org/drawingml/2006/main" xmlns:r="http://schemas.openxmlformats.org/officeDocument/2006/relationships" xmlns:mc="http://schemas.openxmlformats.org/markup-compatibility/2006" xmlns:mv="urn:schemas-microsoft-com:mac:vml" xmlns:p="http://schemas.openxmlformats.org/presentationml/2006/main" xmlns:c="http://schemas.openxmlformats.org/drawingml/2006/chart" xmlns:dgm="http://schemas.openxmlformats.org/drawingml/2006/diagram" xmlns:o="urn:schemas-microsoft-com:office:office" xmlns:v="urn:schemas-microsoft-com:vml" xmlns:pvml="urn:schemas-microsoft-com:office:powerpoint" xmlns:com="http://schemas.openxmlformats.org/drawingml/2006/compatibility" xmlns:p14="http://schemas.microsoft.com/office/powerpoint/2010/main" xmlns:p15="http://schemas.microsoft.com/office/powerpoint/2012/main" xmlns:ahyp="http://schemas.microsoft.com/office/drawing/2018/hyperlinkcolor">
-  <p:cSld>
-    <p:spTree>
-      <p:nvGrpSpPr>
-        <p:cNvPr id="130" name="Shape 130"/>
-        <p:cNvGrpSpPr/>
-        <p:nvPr/>
-      </p:nvGrpSpPr>
-      <p:grpSpPr>
-        <a:xfrm>
-          <a:off x="0" y="0"/>
-          <a:ext cx="0" cy="0"/>
-          <a:chOff x="0" y="0"/>
-          <a:chExt cx="0" cy="0"/>
-        </a:xfrm>
-      </p:grpSpPr>
-      <p:sp>
-        <p:nvSpPr>
-          <p:cNvPr id="131" name="Google Shape;131;p25"/>
-          <p:cNvSpPr txBox="1"/>
-          <p:nvPr>
-            <p:ph type="title"/>
-          </p:nvPr>
-        </p:nvSpPr>
-        <p:spPr>
-          <a:xfrm>
-            <a:off x="311700" y="445025"/>
-            <a:ext cx="8520600" cy="572700"/>
-          </a:xfrm>
-          <a:prstGeom prst="rect">
-            <a:avLst/>
-          </a:prstGeom>
-        </p:spPr>
-        <p:txBody>
-          <a:bodyPr anchorCtr="0" anchor="t" bIns="91425" lIns="91425" spcFirstLastPara="1" rIns="91425" wrap="square" tIns="91425">
-            <a:normAutofit fontScale="90000"/>
-          </a:bodyPr>
-          <a:lstStyle/>
-          <a:p>
-            <a:pPr indent="0" lvl="0" marL="0" rtl="0" algn="l">
-              <a:spcBef>
-                <a:spcPts val="0"/>
-              </a:spcBef>
-              <a:spcAft>
-                <a:spcPts val="0"/>
-              </a:spcAft>
-              <a:buNone/>
-            </a:pPr>
-            <a:r>
-              <a:rPr lang="en"/>
-              <a:t>Conclusions</a:t>
-            </a:r>
-            <a:endParaRPr/>
-          </a:p>
-        </p:txBody>
-      </p:sp>
-      <p:sp>
-        <p:nvSpPr>
-          <p:cNvPr id="132" name="Google Shape;132;p25"/>
-          <p:cNvSpPr txBox="1"/>
-          <p:nvPr>
-            <p:ph idx="1" type="body"/>
-          </p:nvPr>
-        </p:nvSpPr>
-        <p:spPr>
-          <a:xfrm>
-            <a:off x="311700" y="1152475"/>
-            <a:ext cx="8520600" cy="3416400"/>
-          </a:xfrm>
-          <a:prstGeom prst="rect">
-            <a:avLst/>
-          </a:prstGeom>
-        </p:spPr>
-        <p:txBody>
-          <a:bodyPr anchorCtr="0" anchor="t" bIns="91425" lIns="91425" spcFirstLastPara="1" rIns="91425" wrap="square" tIns="91425">
-            <a:normAutofit lnSpcReduction="10000"/>
-          </a:bodyPr>
-          <a:lstStyle/>
-          <a:p>
-            <a:pPr indent="0" lvl="0" marL="0" rtl="0" algn="l">
-              <a:spcBef>
-                <a:spcPts val="0"/>
-              </a:spcBef>
-              <a:spcAft>
-                <a:spcPts val="0"/>
-              </a:spcAft>
-              <a:buNone/>
-            </a:pPr>
-            <a:r>
-              <a:rPr lang="en"/>
-              <a:t>Most important features</a:t>
-            </a:r>
-            <a:endParaRPr/>
-          </a:p>
-          <a:p>
-            <a:pPr indent="-342900" lvl="0" marL="457200" rtl="0" algn="l">
-              <a:lnSpc>
-                <a:spcPct val="150000"/>
-              </a:lnSpc>
-              <a:spcBef>
-                <a:spcPts val="1200"/>
-              </a:spcBef>
-              <a:spcAft>
-                <a:spcPts val="0"/>
-              </a:spcAft>
-              <a:buSzPts val="1800"/>
-              <a:buChar char="●"/>
-            </a:pPr>
-            <a:r>
-              <a:rPr lang="en"/>
-              <a:t>Overall quality</a:t>
-            </a:r>
-            <a:endParaRPr/>
-          </a:p>
-          <a:p>
-            <a:pPr indent="-342900" lvl="0" marL="457200" rtl="0" algn="l">
-              <a:lnSpc>
-                <a:spcPct val="150000"/>
-              </a:lnSpc>
-              <a:spcBef>
-                <a:spcPts val="0"/>
-              </a:spcBef>
-              <a:spcAft>
-                <a:spcPts val="0"/>
-              </a:spcAft>
-              <a:buSzPts val="1800"/>
-              <a:buChar char="●"/>
-            </a:pPr>
-            <a:r>
-              <a:rPr lang="en"/>
-              <a:t>Living area</a:t>
-            </a:r>
-            <a:endParaRPr/>
-          </a:p>
-          <a:p>
-            <a:pPr indent="-342900" lvl="0" marL="457200" rtl="0" algn="l">
-              <a:lnSpc>
-                <a:spcPct val="150000"/>
-              </a:lnSpc>
-              <a:spcBef>
-                <a:spcPts val="0"/>
-              </a:spcBef>
-              <a:spcAft>
-                <a:spcPts val="0"/>
-              </a:spcAft>
-              <a:buSzPts val="1800"/>
-              <a:buChar char="●"/>
-            </a:pPr>
-            <a:r>
-              <a:rPr lang="en"/>
-              <a:t>Exterior quality</a:t>
-            </a:r>
-            <a:endParaRPr/>
-          </a:p>
-          <a:p>
-            <a:pPr indent="-342900" lvl="0" marL="457200" rtl="0" algn="l">
-              <a:lnSpc>
-                <a:spcPct val="150000"/>
-              </a:lnSpc>
-              <a:spcBef>
-                <a:spcPts val="0"/>
-              </a:spcBef>
-              <a:spcAft>
-                <a:spcPts val="0"/>
-              </a:spcAft>
-              <a:buSzPts val="1800"/>
-              <a:buChar char="●"/>
-            </a:pPr>
-            <a:r>
-              <a:rPr lang="en"/>
-              <a:t>Kitchen</a:t>
-            </a:r>
-            <a:endParaRPr/>
-          </a:p>
-          <a:p>
-            <a:pPr indent="-342900" lvl="0" marL="457200" rtl="0" algn="l">
-              <a:lnSpc>
-                <a:spcPct val="150000"/>
-              </a:lnSpc>
-              <a:spcBef>
-                <a:spcPts val="0"/>
-              </a:spcBef>
-              <a:spcAft>
-                <a:spcPts val="0"/>
-              </a:spcAft>
-              <a:buSzPts val="1800"/>
-              <a:buChar char="●"/>
-            </a:pPr>
-            <a:r>
-              <a:rPr lang="en"/>
-              <a:t>Garage area</a:t>
-            </a:r>
-            <a:endParaRPr/>
-          </a:p>
-          <a:p>
-            <a:pPr indent="0" lvl="0" marL="0" rtl="0" algn="l">
-              <a:spcBef>
-                <a:spcPts val="1200"/>
-              </a:spcBef>
-              <a:spcAft>
-                <a:spcPts val="0"/>
-              </a:spcAft>
-              <a:buNone/>
-            </a:pPr>
-            <a:r>
-              <a:t/>
-            </a:r>
-            <a:endParaRPr/>
-          </a:p>
-          <a:p>
-            <a:pPr indent="0" lvl="0" marL="0" rtl="0" algn="l">
-              <a:spcBef>
-                <a:spcPts val="1200"/>
-              </a:spcBef>
-              <a:spcAft>
-                <a:spcPts val="1200"/>
-              </a:spcAft>
-              <a:buNone/>
-            </a:pPr>
-            <a:r>
-              <a:t/>
-            </a:r>
-            <a:endParaRPr/>
-          </a:p>
-        </p:txBody>
-      </p:sp>
     </p:spTree>
   </p:cSld>
   <p:clrMapOvr>
@@ -7666,7 +7732,7 @@
             </a:pPr>
             <a:r>
               <a:rPr lang="en"/>
-              <a:t>Conclusions (cont.)</a:t>
+              <a:t>Machine learning</a:t>
             </a:r>
             <a:endParaRPr/>
           </a:p>
@@ -7691,7 +7757,7 @@
         </p:spPr>
         <p:txBody>
           <a:bodyPr anchorCtr="0" anchor="t" bIns="91425" lIns="91425" spcFirstLastPara="1" rIns="91425" wrap="square" tIns="91425">
-            <a:normAutofit/>
+            <a:normAutofit lnSpcReduction="10000"/>
           </a:bodyPr>
           <a:lstStyle/>
           <a:p>
@@ -7706,7 +7772,7 @@
             </a:pPr>
             <a:r>
               <a:rPr lang="en"/>
-              <a:t>Other external factors can influence housing prices:</a:t>
+              <a:t>Comparing different regression models:</a:t>
             </a:r>
             <a:endParaRPr/>
           </a:p>
@@ -7726,7 +7792,27 @@
             </a:pPr>
             <a:r>
               <a:rPr lang="en"/>
-              <a:t>Geography</a:t>
+              <a:t>Linear Regression</a:t>
+            </a:r>
+            <a:endParaRPr/>
+          </a:p>
+          <a:p>
+            <a:pPr indent="-317500" lvl="1" marL="914400" rtl="0" algn="l">
+              <a:lnSpc>
+                <a:spcPct val="150000"/>
+              </a:lnSpc>
+              <a:spcBef>
+                <a:spcPts val="0"/>
+              </a:spcBef>
+              <a:spcAft>
+                <a:spcPts val="0"/>
+              </a:spcAft>
+              <a:buSzPts val="1400"/>
+              <a:buChar char="○"/>
+            </a:pPr>
+            <a:r>
+              <a:rPr lang="en"/>
+              <a:t>R-squared: 83.6%</a:t>
             </a:r>
             <a:endParaRPr/>
           </a:p>
@@ -7746,7 +7832,27 @@
             </a:pPr>
             <a:r>
               <a:rPr lang="en"/>
-              <a:t>Population</a:t>
+              <a:t>Ordinary Least Squares</a:t>
+            </a:r>
+            <a:endParaRPr/>
+          </a:p>
+          <a:p>
+            <a:pPr indent="-317500" lvl="1" marL="914400" rtl="0" algn="l">
+              <a:lnSpc>
+                <a:spcPct val="150000"/>
+              </a:lnSpc>
+              <a:spcBef>
+                <a:spcPts val="0"/>
+              </a:spcBef>
+              <a:spcAft>
+                <a:spcPts val="0"/>
+              </a:spcAft>
+              <a:buSzPts val="1400"/>
+              <a:buChar char="○"/>
+            </a:pPr>
+            <a:r>
+              <a:rPr lang="en"/>
+              <a:t>R-squared: 80.0%</a:t>
             </a:r>
             <a:endParaRPr/>
           </a:p>
@@ -7766,7 +7872,27 @@
             </a:pPr>
             <a:r>
               <a:rPr lang="en"/>
-              <a:t>Crime rates</a:t>
+              <a:t>Random Forest Regressor</a:t>
+            </a:r>
+            <a:endParaRPr/>
+          </a:p>
+          <a:p>
+            <a:pPr indent="-317500" lvl="1" marL="914400" rtl="0" algn="l">
+              <a:lnSpc>
+                <a:spcPct val="150000"/>
+              </a:lnSpc>
+              <a:spcBef>
+                <a:spcPts val="0"/>
+              </a:spcBef>
+              <a:spcAft>
+                <a:spcPts val="0"/>
+              </a:spcAft>
+              <a:buSzPts val="1400"/>
+              <a:buChar char="○"/>
+            </a:pPr>
+            <a:r>
+              <a:rPr lang="en"/>
+              <a:t>R-squared: 90.0%</a:t>
             </a:r>
             <a:endParaRPr/>
           </a:p>
@@ -7786,23 +7912,576 @@
             </a:pPr>
             <a:r>
               <a:rPr lang="en"/>
+              <a:t>SVM</a:t>
+            </a:r>
+            <a:endParaRPr/>
+          </a:p>
+          <a:p>
+            <a:pPr indent="-317500" lvl="1" marL="914400" rtl="0" algn="l">
+              <a:lnSpc>
+                <a:spcPct val="150000"/>
+              </a:lnSpc>
+              <a:spcBef>
+                <a:spcPts val="0"/>
+              </a:spcBef>
+              <a:spcAft>
+                <a:spcPts val="0"/>
+              </a:spcAft>
+              <a:buSzPts val="1400"/>
+              <a:buChar char="○"/>
+            </a:pPr>
+            <a:r>
+              <a:rPr lang="en"/>
+              <a:t>R-squared: -0.03%</a:t>
+            </a:r>
+            <a:endParaRPr/>
+          </a:p>
+        </p:txBody>
+      </p:sp>
+    </p:spTree>
+  </p:cSld>
+  <p:clrMapOvr>
+    <a:masterClrMapping/>
+  </p:clrMapOvr>
+</p:sld>
+</file>
+
+<file path=ppt/slides/slide15.xml><?xml version="1.0" encoding="utf-8"?>
+<p:sld xmlns:a="http://schemas.openxmlformats.org/drawingml/2006/main" xmlns:r="http://schemas.openxmlformats.org/officeDocument/2006/relationships" xmlns:mc="http://schemas.openxmlformats.org/markup-compatibility/2006" xmlns:mv="urn:schemas-microsoft-com:mac:vml" xmlns:p="http://schemas.openxmlformats.org/presentationml/2006/main" xmlns:c="http://schemas.openxmlformats.org/drawingml/2006/chart" xmlns:dgm="http://schemas.openxmlformats.org/drawingml/2006/diagram" xmlns:o="urn:schemas-microsoft-com:office:office" xmlns:v="urn:schemas-microsoft-com:vml" xmlns:pvml="urn:schemas-microsoft-com:office:powerpoint" xmlns:com="http://schemas.openxmlformats.org/drawingml/2006/compatibility" xmlns:p14="http://schemas.microsoft.com/office/powerpoint/2010/main" xmlns:p15="http://schemas.microsoft.com/office/powerpoint/2012/main" xmlns:ahyp="http://schemas.microsoft.com/office/drawing/2018/hyperlinkcolor">
+  <p:cSld>
+    <p:spTree>
+      <p:nvGrpSpPr>
+        <p:cNvPr id="142" name="Shape 142"/>
+        <p:cNvGrpSpPr/>
+        <p:nvPr/>
+      </p:nvGrpSpPr>
+      <p:grpSpPr>
+        <a:xfrm>
+          <a:off x="0" y="0"/>
+          <a:ext cx="0" cy="0"/>
+          <a:chOff x="0" y="0"/>
+          <a:chExt cx="0" cy="0"/>
+        </a:xfrm>
+      </p:grpSpPr>
+      <p:sp>
+        <p:nvSpPr>
+          <p:cNvPr id="143" name="Google Shape;143;p27"/>
+          <p:cNvSpPr txBox="1"/>
+          <p:nvPr>
+            <p:ph type="title"/>
+          </p:nvPr>
+        </p:nvSpPr>
+        <p:spPr>
+          <a:xfrm>
+            <a:off x="311700" y="445025"/>
+            <a:ext cx="8520600" cy="572700"/>
+          </a:xfrm>
+          <a:prstGeom prst="rect">
+            <a:avLst/>
+          </a:prstGeom>
+        </p:spPr>
+        <p:txBody>
+          <a:bodyPr anchorCtr="0" anchor="t" bIns="91425" lIns="91425" spcFirstLastPara="1" rIns="91425" wrap="square" tIns="91425">
+            <a:normAutofit fontScale="90000"/>
+          </a:bodyPr>
+          <a:lstStyle/>
+          <a:p>
+            <a:pPr indent="0" lvl="0" marL="0" rtl="0" algn="l">
+              <a:spcBef>
+                <a:spcPts val="0"/>
+              </a:spcBef>
+              <a:spcAft>
+                <a:spcPts val="0"/>
+              </a:spcAft>
+              <a:buNone/>
+            </a:pPr>
+            <a:r>
+              <a:rPr lang="en"/>
+              <a:t>Conclusions</a:t>
+            </a:r>
+            <a:endParaRPr/>
+          </a:p>
+        </p:txBody>
+      </p:sp>
+      <p:sp>
+        <p:nvSpPr>
+          <p:cNvPr id="144" name="Google Shape;144;p27"/>
+          <p:cNvSpPr txBox="1"/>
+          <p:nvPr>
+            <p:ph idx="1" type="body"/>
+          </p:nvPr>
+        </p:nvSpPr>
+        <p:spPr>
+          <a:xfrm>
+            <a:off x="311700" y="1152475"/>
+            <a:ext cx="8520600" cy="3416400"/>
+          </a:xfrm>
+          <a:prstGeom prst="rect">
+            <a:avLst/>
+          </a:prstGeom>
+        </p:spPr>
+        <p:txBody>
+          <a:bodyPr anchorCtr="0" anchor="t" bIns="91425" lIns="91425" spcFirstLastPara="1" rIns="91425" wrap="square" tIns="91425">
+            <a:normAutofit lnSpcReduction="10000"/>
+          </a:bodyPr>
+          <a:lstStyle/>
+          <a:p>
+            <a:pPr indent="0" lvl="0" marL="0" rtl="0" algn="l">
+              <a:spcBef>
+                <a:spcPts val="0"/>
+              </a:spcBef>
+              <a:spcAft>
+                <a:spcPts val="0"/>
+              </a:spcAft>
+              <a:buNone/>
+            </a:pPr>
+            <a:r>
+              <a:rPr lang="en"/>
+              <a:t>Most important features</a:t>
+            </a:r>
+            <a:endParaRPr/>
+          </a:p>
+          <a:p>
+            <a:pPr indent="-342900" lvl="0" marL="457200" rtl="0" algn="l">
+              <a:lnSpc>
+                <a:spcPct val="150000"/>
+              </a:lnSpc>
+              <a:spcBef>
+                <a:spcPts val="1200"/>
+              </a:spcBef>
+              <a:spcAft>
+                <a:spcPts val="0"/>
+              </a:spcAft>
+              <a:buSzPts val="1800"/>
+              <a:buChar char="●"/>
+            </a:pPr>
+            <a:r>
+              <a:rPr lang="en"/>
+              <a:t>Overall quality</a:t>
+            </a:r>
+            <a:endParaRPr/>
+          </a:p>
+          <a:p>
+            <a:pPr indent="-342900" lvl="0" marL="457200" rtl="0" algn="l">
+              <a:lnSpc>
+                <a:spcPct val="150000"/>
+              </a:lnSpc>
+              <a:spcBef>
+                <a:spcPts val="0"/>
+              </a:spcBef>
+              <a:spcAft>
+                <a:spcPts val="0"/>
+              </a:spcAft>
+              <a:buSzPts val="1800"/>
+              <a:buChar char="●"/>
+            </a:pPr>
+            <a:r>
+              <a:rPr lang="en"/>
+              <a:t>Living area</a:t>
+            </a:r>
+            <a:endParaRPr/>
+          </a:p>
+          <a:p>
+            <a:pPr indent="-342900" lvl="0" marL="457200" rtl="0" algn="l">
+              <a:lnSpc>
+                <a:spcPct val="150000"/>
+              </a:lnSpc>
+              <a:spcBef>
+                <a:spcPts val="0"/>
+              </a:spcBef>
+              <a:spcAft>
+                <a:spcPts val="0"/>
+              </a:spcAft>
+              <a:buSzPts val="1800"/>
+              <a:buChar char="●"/>
+            </a:pPr>
+            <a:r>
+              <a:rPr lang="en"/>
+              <a:t>Exterior quality</a:t>
+            </a:r>
+            <a:endParaRPr/>
+          </a:p>
+          <a:p>
+            <a:pPr indent="-342900" lvl="0" marL="457200" rtl="0" algn="l">
+              <a:lnSpc>
+                <a:spcPct val="150000"/>
+              </a:lnSpc>
+              <a:spcBef>
+                <a:spcPts val="0"/>
+              </a:spcBef>
+              <a:spcAft>
+                <a:spcPts val="0"/>
+              </a:spcAft>
+              <a:buSzPts val="1800"/>
+              <a:buChar char="●"/>
+            </a:pPr>
+            <a:r>
+              <a:rPr lang="en"/>
+              <a:t>Kitchen</a:t>
+            </a:r>
+            <a:endParaRPr/>
+          </a:p>
+          <a:p>
+            <a:pPr indent="-342900" lvl="0" marL="457200" rtl="0" algn="l">
+              <a:lnSpc>
+                <a:spcPct val="150000"/>
+              </a:lnSpc>
+              <a:spcBef>
+                <a:spcPts val="0"/>
+              </a:spcBef>
+              <a:spcAft>
+                <a:spcPts val="0"/>
+              </a:spcAft>
+              <a:buSzPts val="1800"/>
+              <a:buChar char="●"/>
+            </a:pPr>
+            <a:r>
+              <a:rPr lang="en"/>
+              <a:t>Garage area</a:t>
+            </a:r>
+            <a:endParaRPr/>
+          </a:p>
+          <a:p>
+            <a:pPr indent="0" lvl="0" marL="0" rtl="0" algn="l">
+              <a:spcBef>
+                <a:spcPts val="1200"/>
+              </a:spcBef>
+              <a:spcAft>
+                <a:spcPts val="0"/>
+              </a:spcAft>
+              <a:buNone/>
+            </a:pPr>
+            <a:r>
+              <a:t/>
+            </a:r>
+            <a:endParaRPr/>
+          </a:p>
+          <a:p>
+            <a:pPr indent="0" lvl="0" marL="0" rtl="0" algn="l">
+              <a:spcBef>
+                <a:spcPts val="1200"/>
+              </a:spcBef>
+              <a:spcAft>
+                <a:spcPts val="1200"/>
+              </a:spcAft>
+              <a:buNone/>
+            </a:pPr>
+            <a:r>
+              <a:t/>
+            </a:r>
+            <a:endParaRPr/>
+          </a:p>
+        </p:txBody>
+      </p:sp>
+    </p:spTree>
+  </p:cSld>
+  <p:clrMapOvr>
+    <a:masterClrMapping/>
+  </p:clrMapOvr>
+</p:sld>
+</file>
+
+<file path=ppt/slides/slide16.xml><?xml version="1.0" encoding="utf-8"?>
+<p:sld xmlns:a="http://schemas.openxmlformats.org/drawingml/2006/main" xmlns:r="http://schemas.openxmlformats.org/officeDocument/2006/relationships" xmlns:mc="http://schemas.openxmlformats.org/markup-compatibility/2006" xmlns:mv="urn:schemas-microsoft-com:mac:vml" xmlns:p="http://schemas.openxmlformats.org/presentationml/2006/main" xmlns:c="http://schemas.openxmlformats.org/drawingml/2006/chart" xmlns:dgm="http://schemas.openxmlformats.org/drawingml/2006/diagram" xmlns:o="urn:schemas-microsoft-com:office:office" xmlns:v="urn:schemas-microsoft-com:vml" xmlns:pvml="urn:schemas-microsoft-com:office:powerpoint" xmlns:com="http://schemas.openxmlformats.org/drawingml/2006/compatibility" xmlns:p14="http://schemas.microsoft.com/office/powerpoint/2010/main" xmlns:p15="http://schemas.microsoft.com/office/powerpoint/2012/main" xmlns:ahyp="http://schemas.microsoft.com/office/drawing/2018/hyperlinkcolor">
+  <p:cSld>
+    <p:spTree>
+      <p:nvGrpSpPr>
+        <p:cNvPr id="148" name="Shape 148"/>
+        <p:cNvGrpSpPr/>
+        <p:nvPr/>
+      </p:nvGrpSpPr>
+      <p:grpSpPr>
+        <a:xfrm>
+          <a:off x="0" y="0"/>
+          <a:ext cx="0" cy="0"/>
+          <a:chOff x="0" y="0"/>
+          <a:chExt cx="0" cy="0"/>
+        </a:xfrm>
+      </p:grpSpPr>
+      <p:sp>
+        <p:nvSpPr>
+          <p:cNvPr id="149" name="Google Shape;149;p28"/>
+          <p:cNvSpPr txBox="1"/>
+          <p:nvPr>
+            <p:ph type="title"/>
+          </p:nvPr>
+        </p:nvSpPr>
+        <p:spPr>
+          <a:xfrm>
+            <a:off x="311700" y="445025"/>
+            <a:ext cx="8520600" cy="572700"/>
+          </a:xfrm>
+          <a:prstGeom prst="rect">
+            <a:avLst/>
+          </a:prstGeom>
+        </p:spPr>
+        <p:txBody>
+          <a:bodyPr anchorCtr="0" anchor="t" bIns="91425" lIns="91425" spcFirstLastPara="1" rIns="91425" wrap="square" tIns="91425">
+            <a:normAutofit fontScale="90000"/>
+          </a:bodyPr>
+          <a:lstStyle/>
+          <a:p>
+            <a:pPr indent="0" lvl="0" marL="0" rtl="0" algn="l">
+              <a:spcBef>
+                <a:spcPts val="0"/>
+              </a:spcBef>
+              <a:spcAft>
+                <a:spcPts val="0"/>
+              </a:spcAft>
+              <a:buNone/>
+            </a:pPr>
+            <a:r>
+              <a:rPr lang="en"/>
+              <a:t>Conclusions (cont.)</a:t>
+            </a:r>
+            <a:endParaRPr/>
+          </a:p>
+        </p:txBody>
+      </p:sp>
+      <p:sp>
+        <p:nvSpPr>
+          <p:cNvPr id="150" name="Google Shape;150;p28"/>
+          <p:cNvSpPr txBox="1"/>
+          <p:nvPr>
+            <p:ph idx="1" type="body"/>
+          </p:nvPr>
+        </p:nvSpPr>
+        <p:spPr>
+          <a:xfrm>
+            <a:off x="311700" y="1152475"/>
+            <a:ext cx="8520600" cy="3416400"/>
+          </a:xfrm>
+          <a:prstGeom prst="rect">
+            <a:avLst/>
+          </a:prstGeom>
+        </p:spPr>
+        <p:txBody>
+          <a:bodyPr anchorCtr="0" anchor="t" bIns="91425" lIns="91425" spcFirstLastPara="1" rIns="91425" wrap="square" tIns="91425">
+            <a:normAutofit/>
+          </a:bodyPr>
+          <a:lstStyle/>
+          <a:p>
+            <a:pPr indent="0" lvl="0" marL="0" rtl="0" algn="l">
+              <a:spcBef>
+                <a:spcPts val="0"/>
+              </a:spcBef>
+              <a:spcAft>
+                <a:spcPts val="0"/>
+              </a:spcAft>
+              <a:buNone/>
+            </a:pPr>
+            <a:r>
+              <a:rPr lang="en"/>
+              <a:t>Other external factors can influence housing prices:</a:t>
+            </a:r>
+            <a:endParaRPr/>
+          </a:p>
+          <a:p>
+            <a:pPr indent="-342900" lvl="0" marL="457200" rtl="0" algn="l">
+              <a:lnSpc>
+                <a:spcPct val="150000"/>
+              </a:lnSpc>
+              <a:spcBef>
+                <a:spcPts val="1200"/>
+              </a:spcBef>
+              <a:spcAft>
+                <a:spcPts val="0"/>
+              </a:spcAft>
+              <a:buSzPts val="1800"/>
+              <a:buChar char="●"/>
+            </a:pPr>
+            <a:r>
+              <a:rPr lang="en"/>
+              <a:t>Geography</a:t>
+            </a:r>
+            <a:endParaRPr/>
+          </a:p>
+          <a:p>
+            <a:pPr indent="-342900" lvl="0" marL="457200" rtl="0" algn="l">
+              <a:lnSpc>
+                <a:spcPct val="150000"/>
+              </a:lnSpc>
+              <a:spcBef>
+                <a:spcPts val="0"/>
+              </a:spcBef>
+              <a:spcAft>
+                <a:spcPts val="0"/>
+              </a:spcAft>
+              <a:buSzPts val="1800"/>
+              <a:buChar char="●"/>
+            </a:pPr>
+            <a:r>
+              <a:rPr lang="en"/>
+              <a:t>Population</a:t>
+            </a:r>
+            <a:endParaRPr/>
+          </a:p>
+          <a:p>
+            <a:pPr indent="-342900" lvl="0" marL="457200" rtl="0" algn="l">
+              <a:lnSpc>
+                <a:spcPct val="150000"/>
+              </a:lnSpc>
+              <a:spcBef>
+                <a:spcPts val="0"/>
+              </a:spcBef>
+              <a:spcAft>
+                <a:spcPts val="0"/>
+              </a:spcAft>
+              <a:buSzPts val="1800"/>
+              <a:buChar char="●"/>
+            </a:pPr>
+            <a:r>
+              <a:rPr lang="en"/>
+              <a:t>Crime rates</a:t>
+            </a:r>
+            <a:endParaRPr/>
+          </a:p>
+          <a:p>
+            <a:pPr indent="-342900" lvl="0" marL="457200" rtl="0" algn="l">
+              <a:lnSpc>
+                <a:spcPct val="150000"/>
+              </a:lnSpc>
+              <a:spcBef>
+                <a:spcPts val="0"/>
+              </a:spcBef>
+              <a:spcAft>
+                <a:spcPts val="0"/>
+              </a:spcAft>
+              <a:buSzPts val="1800"/>
+              <a:buChar char="●"/>
+            </a:pPr>
+            <a:r>
+              <a:rPr lang="en"/>
               <a:t>Proximity to schools</a:t>
             </a:r>
             <a:endParaRPr/>
           </a:p>
+        </p:txBody>
+      </p:sp>
+    </p:spTree>
+  </p:cSld>
+  <p:clrMapOvr>
+    <a:masterClrMapping/>
+  </p:clrMapOvr>
+</p:sld>
+</file>
+
+<file path=ppt/slides/slide17.xml><?xml version="1.0" encoding="utf-8"?>
+<p:sld xmlns:a="http://schemas.openxmlformats.org/drawingml/2006/main" xmlns:r="http://schemas.openxmlformats.org/officeDocument/2006/relationships" xmlns:mc="http://schemas.openxmlformats.org/markup-compatibility/2006" xmlns:mv="urn:schemas-microsoft-com:mac:vml" xmlns:p="http://schemas.openxmlformats.org/presentationml/2006/main" xmlns:c="http://schemas.openxmlformats.org/drawingml/2006/chart" xmlns:dgm="http://schemas.openxmlformats.org/drawingml/2006/diagram" xmlns:o="urn:schemas-microsoft-com:office:office" xmlns:v="urn:schemas-microsoft-com:vml" xmlns:pvml="urn:schemas-microsoft-com:office:powerpoint" xmlns:com="http://schemas.openxmlformats.org/drawingml/2006/compatibility" xmlns:p14="http://schemas.microsoft.com/office/powerpoint/2010/main" xmlns:p15="http://schemas.microsoft.com/office/powerpoint/2012/main" xmlns:ahyp="http://schemas.microsoft.com/office/drawing/2018/hyperlinkcolor">
+  <p:cSld>
+    <p:spTree>
+      <p:nvGrpSpPr>
+        <p:cNvPr id="154" name="Shape 154"/>
+        <p:cNvGrpSpPr/>
+        <p:nvPr/>
+      </p:nvGrpSpPr>
+      <p:grpSpPr>
+        <a:xfrm>
+          <a:off x="0" y="0"/>
+          <a:ext cx="0" cy="0"/>
+          <a:chOff x="0" y="0"/>
+          <a:chExt cx="0" cy="0"/>
+        </a:xfrm>
+      </p:grpSpPr>
+      <p:sp>
+        <p:nvSpPr>
+          <p:cNvPr id="155" name="Google Shape;155;p29"/>
+          <p:cNvSpPr txBox="1"/>
+          <p:nvPr>
+            <p:ph type="title"/>
+          </p:nvPr>
+        </p:nvSpPr>
+        <p:spPr>
+          <a:xfrm>
+            <a:off x="311700" y="445025"/>
+            <a:ext cx="8520600" cy="572700"/>
+          </a:xfrm>
+          <a:prstGeom prst="rect">
+            <a:avLst/>
+          </a:prstGeom>
+        </p:spPr>
+        <p:txBody>
+          <a:bodyPr anchorCtr="0" anchor="t" bIns="91425" lIns="91425" spcFirstLastPara="1" rIns="91425" wrap="square" tIns="91425">
+            <a:normAutofit fontScale="90000"/>
+          </a:bodyPr>
+          <a:lstStyle/>
           <a:p>
             <a:pPr indent="0" lvl="0" marL="0" rtl="0" algn="l">
               <a:spcBef>
-                <a:spcPts val="1200"/>
-              </a:spcBef>
-              <a:spcAft>
-                <a:spcPts val="1200"/>
-              </a:spcAft>
-              <a:buNone/>
+                <a:spcPts val="0"/>
+              </a:spcBef>
+              <a:spcAft>
+                <a:spcPts val="0"/>
+              </a:spcAft>
+              <a:buNone/>
+            </a:pPr>
+            <a:r>
+              <a:rPr lang="en"/>
+              <a:t>Future Recommendations</a:t>
+            </a:r>
+            <a:endParaRPr/>
+          </a:p>
+        </p:txBody>
+      </p:sp>
+      <p:sp>
+        <p:nvSpPr>
+          <p:cNvPr id="156" name="Google Shape;156;p29"/>
+          <p:cNvSpPr txBox="1"/>
+          <p:nvPr>
+            <p:ph idx="1" type="body"/>
+          </p:nvPr>
+        </p:nvSpPr>
+        <p:spPr>
+          <a:xfrm>
+            <a:off x="311700" y="1152475"/>
+            <a:ext cx="8520600" cy="3416400"/>
+          </a:xfrm>
+          <a:prstGeom prst="rect">
+            <a:avLst/>
+          </a:prstGeom>
+        </p:spPr>
+        <p:txBody>
+          <a:bodyPr anchorCtr="0" anchor="t" bIns="91425" lIns="91425" spcFirstLastPara="1" rIns="91425" wrap="square" tIns="91425">
+            <a:normAutofit/>
+          </a:bodyPr>
+          <a:lstStyle/>
+          <a:p>
+            <a:pPr indent="-342900" lvl="0" marL="457200" rtl="0" algn="l">
+              <a:lnSpc>
+                <a:spcPct val="200000"/>
+              </a:lnSpc>
+              <a:spcBef>
+                <a:spcPts val="0"/>
+              </a:spcBef>
+              <a:spcAft>
+                <a:spcPts val="0"/>
+              </a:spcAft>
+              <a:buSzPts val="1800"/>
+              <a:buChar char="●"/>
             </a:pPr>
             <a:r>
               <a:rPr lang="en"/>
               <a:t>Dataset &gt;10 years old, so more recent data may help.</a:t>
+            </a:r>
+            <a:endParaRPr/>
+          </a:p>
+          <a:p>
+            <a:pPr indent="-342900" lvl="0" marL="457200" rtl="0" algn="l">
+              <a:lnSpc>
+                <a:spcPct val="200000"/>
+              </a:lnSpc>
+              <a:spcBef>
+                <a:spcPts val="0"/>
+              </a:spcBef>
+              <a:spcAft>
+                <a:spcPts val="0"/>
+              </a:spcAft>
+              <a:buSzPts val="1800"/>
+              <a:buChar char="●"/>
+            </a:pPr>
+            <a:r>
+              <a:rPr lang="en"/>
+              <a:t>Data to model after coronavirus pandemic</a:t>
             </a:r>
             <a:endParaRPr/>
           </a:p>
@@ -8081,7 +8760,7 @@
                   <a:srgbClr val="FFFFFF"/>
                 </a:highlight>
               </a:rPr>
-              <a:t>Square footage</a:t>
+              <a:t>Living area</a:t>
             </a:r>
             <a:endParaRPr sz="2000">
               <a:solidFill>
@@ -8502,7 +9181,7 @@
             </a:pPr>
             <a:r>
               <a:rPr lang="en"/>
-              <a:t>Overview</a:t>
+              <a:t>About the Data</a:t>
             </a:r>
             <a:endParaRPr/>
           </a:p>
@@ -8531,28 +9210,12 @@
           </a:bodyPr>
           <a:lstStyle/>
           <a:p>
-            <a:pPr indent="0" lvl="0" marL="0" rtl="0" algn="l">
-              <a:spcBef>
-                <a:spcPts val="0"/>
-              </a:spcBef>
-              <a:spcAft>
-                <a:spcPts val="0"/>
-              </a:spcAft>
-              <a:buNone/>
-            </a:pPr>
-            <a:r>
-              <a:rPr lang="en"/>
-              <a:t>The steps involved in this analysis include:</a:t>
-            </a:r>
-            <a:endParaRPr/>
-          </a:p>
-          <a:p>
             <a:pPr indent="-342900" lvl="0" marL="457200" rtl="0" algn="l">
               <a:lnSpc>
-                <a:spcPct val="150000"/>
+                <a:spcPct val="200000"/>
               </a:lnSpc>
               <a:spcBef>
-                <a:spcPts val="1200"/>
+                <a:spcPts val="0"/>
               </a:spcBef>
               <a:spcAft>
                 <a:spcPts val="0"/>
@@ -8562,14 +9225,14 @@
             </a:pPr>
             <a:r>
               <a:rPr lang="en"/>
-              <a:t>Data cleaning and wrangling</a:t>
+              <a:t>The data comes from Kaggle </a:t>
             </a:r>
             <a:endParaRPr/>
           </a:p>
           <a:p>
             <a:pPr indent="-342900" lvl="0" marL="457200" rtl="0" algn="l">
               <a:lnSpc>
-                <a:spcPct val="150000"/>
+                <a:spcPct val="200000"/>
               </a:lnSpc>
               <a:spcBef>
                 <a:spcPts val="0"/>
@@ -8582,14 +9245,14 @@
             </a:pPr>
             <a:r>
               <a:rPr lang="en"/>
-              <a:t>Feature engineering and preprocessing</a:t>
+              <a:t>Collected in 2011</a:t>
             </a:r>
             <a:endParaRPr/>
           </a:p>
           <a:p>
             <a:pPr indent="-342900" lvl="0" marL="457200" rtl="0" algn="l">
               <a:lnSpc>
-                <a:spcPct val="150000"/>
+                <a:spcPct val="200000"/>
               </a:lnSpc>
               <a:spcBef>
                 <a:spcPts val="0"/>
@@ -8602,14 +9265,14 @@
             </a:pPr>
             <a:r>
               <a:rPr lang="en"/>
-              <a:t>Exploratory data analysis</a:t>
+              <a:t>80 variables</a:t>
             </a:r>
             <a:endParaRPr/>
           </a:p>
           <a:p>
             <a:pPr indent="-342900" lvl="0" marL="457200" rtl="0" algn="l">
               <a:lnSpc>
-                <a:spcPct val="150000"/>
+                <a:spcPct val="200000"/>
               </a:lnSpc>
               <a:spcBef>
                 <a:spcPts val="0"/>
@@ -8622,7 +9285,7 @@
             </a:pPr>
             <a:r>
               <a:rPr lang="en"/>
-              <a:t>Machine learning</a:t>
+              <a:t>2,390 properties in Ames, Iowa.</a:t>
             </a:r>
             <a:endParaRPr/>
           </a:p>
@@ -8687,7 +9350,7 @@
             </a:pPr>
             <a:r>
               <a:rPr lang="en"/>
-              <a:t>Steps in the Analysis</a:t>
+              <a:t>Overview</a:t>
             </a:r>
             <a:endParaRPr/>
           </a:p>
@@ -8716,9 +9379,28 @@
           </a:bodyPr>
           <a:lstStyle/>
           <a:p>
+            <a:pPr indent="0" lvl="0" marL="0" rtl="0" algn="l">
+              <a:spcBef>
+                <a:spcPts val="0"/>
+              </a:spcBef>
+              <a:spcAft>
+                <a:spcPts val="0"/>
+              </a:spcAft>
+              <a:buNone/>
+            </a:pPr>
+            <a:r>
+              <a:rPr lang="en"/>
+              <a:t>The steps involved in this analysis include:</a:t>
+            </a:r>
+            <a:endParaRPr/>
+          </a:p>
+          <a:p>
             <a:pPr indent="-342900" lvl="0" marL="457200" rtl="0" algn="l">
-              <a:spcBef>
-                <a:spcPts val="0"/>
+              <a:lnSpc>
+                <a:spcPct val="150000"/>
+              </a:lnSpc>
+              <a:spcBef>
+                <a:spcPts val="1200"/>
               </a:spcBef>
               <a:spcAft>
                 <a:spcPts val="0"/>
@@ -8728,72 +9410,15 @@
             </a:pPr>
             <a:r>
               <a:rPr lang="en"/>
-              <a:t>Data Cleaning</a:t>
+              <a:t>Data cleaning and wrangling</a:t>
             </a:r>
             <a:endParaRPr/>
           </a:p>
           <a:p>
-            <a:pPr indent="-317500" lvl="1" marL="914400" rtl="0" algn="l">
+            <a:pPr indent="-342900" lvl="0" marL="457200" rtl="0" algn="l">
               <a:lnSpc>
-                <a:spcPct val="200000"/>
+                <a:spcPct val="150000"/>
               </a:lnSpc>
-              <a:spcBef>
-                <a:spcPts val="0"/>
-              </a:spcBef>
-              <a:spcAft>
-                <a:spcPts val="0"/>
-              </a:spcAft>
-              <a:buSzPts val="1400"/>
-              <a:buChar char="○"/>
-            </a:pPr>
-            <a:r>
-              <a:rPr lang="en"/>
-              <a:t>Isolate useful values and rename them</a:t>
-            </a:r>
-            <a:endParaRPr/>
-          </a:p>
-          <a:p>
-            <a:pPr indent="-317500" lvl="1" marL="914400" rtl="0" algn="l">
-              <a:lnSpc>
-                <a:spcPct val="200000"/>
-              </a:lnSpc>
-              <a:spcBef>
-                <a:spcPts val="0"/>
-              </a:spcBef>
-              <a:spcAft>
-                <a:spcPts val="0"/>
-              </a:spcAft>
-              <a:buSzPts val="1400"/>
-              <a:buChar char="○"/>
-            </a:pPr>
-            <a:r>
-              <a:rPr lang="en"/>
-              <a:t>Convert values such as “poor” and “good” to numeric</a:t>
-            </a:r>
-            <a:endParaRPr/>
-          </a:p>
-          <a:p>
-            <a:pPr indent="-317500" lvl="1" marL="914400" rtl="0" algn="l">
-              <a:lnSpc>
-                <a:spcPct val="200000"/>
-              </a:lnSpc>
-              <a:spcBef>
-                <a:spcPts val="0"/>
-              </a:spcBef>
-              <a:spcAft>
-                <a:spcPts val="0"/>
-              </a:spcAft>
-              <a:buSzPts val="1400"/>
-              <a:buChar char="○"/>
-            </a:pPr>
-            <a:r>
-              <a:rPr lang="en"/>
-              <a:t>Replace “nan” values with zeros</a:t>
-            </a:r>
-            <a:endParaRPr/>
-          </a:p>
-          <a:p>
-            <a:pPr indent="-342900" lvl="0" marL="457200" rtl="0" algn="l">
               <a:spcBef>
                 <a:spcPts val="0"/>
               </a:spcBef>
@@ -8805,14 +9430,14 @@
             </a:pPr>
             <a:r>
               <a:rPr lang="en"/>
-              <a:t>Feature Engineering</a:t>
+              <a:t>Feature engineering</a:t>
             </a:r>
             <a:endParaRPr/>
           </a:p>
           <a:p>
-            <a:pPr indent="-317500" lvl="1" marL="914400" rtl="0" algn="l">
+            <a:pPr indent="-342900" lvl="0" marL="457200" rtl="0" algn="l">
               <a:lnSpc>
-                <a:spcPct val="200000"/>
+                <a:spcPct val="150000"/>
               </a:lnSpc>
               <a:spcBef>
                 <a:spcPts val="0"/>
@@ -8820,19 +9445,19 @@
               <a:spcAft>
                 <a:spcPts val="0"/>
               </a:spcAft>
-              <a:buSzPts val="1400"/>
-              <a:buChar char="○"/>
+              <a:buSzPts val="1800"/>
+              <a:buChar char="●"/>
             </a:pPr>
             <a:r>
               <a:rPr lang="en"/>
-              <a:t>Calculate age: 2011 - year built</a:t>
+              <a:t>Preprocessing: scaling, one-hot encoding</a:t>
             </a:r>
             <a:endParaRPr/>
           </a:p>
           <a:p>
-            <a:pPr indent="-317500" lvl="1" marL="914400" rtl="0" algn="l">
+            <a:pPr indent="-342900" lvl="0" marL="457200" rtl="0" algn="l">
               <a:lnSpc>
-                <a:spcPct val="200000"/>
+                <a:spcPct val="150000"/>
               </a:lnSpc>
               <a:spcBef>
                 <a:spcPts val="0"/>
@@ -8840,29 +9465,32 @@
               <a:spcAft>
                 <a:spcPts val="0"/>
               </a:spcAft>
-              <a:buSzPts val="1400"/>
-              <a:buChar char="○"/>
+              <a:buSzPts val="1800"/>
+              <a:buChar char="●"/>
             </a:pPr>
             <a:r>
               <a:rPr lang="en"/>
-              <a:t>Combine half and full bathrooms</a:t>
+              <a:t>Exploratory data analysis</a:t>
             </a:r>
             <a:endParaRPr/>
           </a:p>
           <a:p>
-            <a:pPr indent="-317500" lvl="1" marL="914400" rtl="0" algn="l">
-              <a:spcBef>
-                <a:spcPts val="0"/>
-              </a:spcBef>
-              <a:spcAft>
-                <a:spcPts val="0"/>
-              </a:spcAft>
-              <a:buSzPts val="1400"/>
-              <a:buChar char="○"/>
+            <a:pPr indent="-342900" lvl="0" marL="457200" rtl="0" algn="l">
+              <a:lnSpc>
+                <a:spcPct val="150000"/>
+              </a:lnSpc>
+              <a:spcBef>
+                <a:spcPts val="0"/>
+              </a:spcBef>
+              <a:spcAft>
+                <a:spcPts val="0"/>
+              </a:spcAft>
+              <a:buSzPts val="1800"/>
+              <a:buChar char="●"/>
             </a:pPr>
             <a:r>
               <a:rPr lang="en"/>
-              <a:t>First floor + second floor + basement = overall square footage</a:t>
+              <a:t>Machine learning</a:t>
             </a:r>
             <a:endParaRPr/>
           </a:p>
@@ -8927,7 +9555,7 @@
             </a:pPr>
             <a:r>
               <a:rPr lang="en"/>
-              <a:t>Steps in the Analysis (cont.)</a:t>
+              <a:t>Steps in the Analysis</a:t>
             </a:r>
             <a:endParaRPr/>
           </a:p>
@@ -8968,7 +9596,7 @@
             </a:pPr>
             <a:r>
               <a:rPr lang="en"/>
-              <a:t>Exploratory Data Analysis</a:t>
+              <a:t>Data Cleaning</a:t>
             </a:r>
             <a:endParaRPr/>
           </a:p>
@@ -8988,7 +9616,7 @@
             </a:pPr>
             <a:r>
               <a:rPr lang="en"/>
-              <a:t>Checking for correlations with heatmap</a:t>
+              <a:t>Isolate useful values and rename them</a:t>
             </a:r>
             <a:endParaRPr/>
           </a:p>
@@ -9008,7 +9636,7 @@
             </a:pPr>
             <a:r>
               <a:rPr lang="en"/>
-              <a:t>Plotting sale price against other variables</a:t>
+              <a:t>Convert values such as “poor” and “good” to numeric</a:t>
             </a:r>
             <a:endParaRPr/>
           </a:p>
@@ -9028,15 +9656,12 @@
             </a:pPr>
             <a:r>
               <a:rPr lang="en"/>
-              <a:t>Hypothesis testing</a:t>
+              <a:t>Replace “nan” values with zeros</a:t>
             </a:r>
             <a:endParaRPr/>
           </a:p>
           <a:p>
             <a:pPr indent="-342900" lvl="0" marL="457200" rtl="0" algn="l">
-              <a:lnSpc>
-                <a:spcPct val="200000"/>
-              </a:lnSpc>
               <a:spcBef>
                 <a:spcPts val="0"/>
               </a:spcBef>
@@ -9048,7 +9673,7 @@
             </a:pPr>
             <a:r>
               <a:rPr lang="en"/>
-              <a:t>Machine Learning</a:t>
+              <a:t>Feature Engineering</a:t>
             </a:r>
             <a:endParaRPr/>
           </a:p>
@@ -9068,22 +9693,44 @@
             </a:pPr>
             <a:r>
               <a:rPr lang="en"/>
-              <a:t>Run regression analyses</a:t>
+              <a:t>Calculate age: 2011 - year built</a:t>
             </a:r>
             <a:endParaRPr/>
           </a:p>
           <a:p>
-            <a:pPr indent="0" lvl="0" marL="0" rtl="0" algn="l">
-              <a:spcBef>
-                <a:spcPts val="1200"/>
-              </a:spcBef>
-              <a:spcAft>
-                <a:spcPts val="1200"/>
-              </a:spcAft>
-              <a:buNone/>
-            </a:pPr>
-            <a:r>
-              <a:t/>
+            <a:pPr indent="-317500" lvl="1" marL="914400" rtl="0" algn="l">
+              <a:lnSpc>
+                <a:spcPct val="200000"/>
+              </a:lnSpc>
+              <a:spcBef>
+                <a:spcPts val="0"/>
+              </a:spcBef>
+              <a:spcAft>
+                <a:spcPts val="0"/>
+              </a:spcAft>
+              <a:buSzPts val="1400"/>
+              <a:buChar char="○"/>
+            </a:pPr>
+            <a:r>
+              <a:rPr lang="en"/>
+              <a:t>Combine half and full bathrooms</a:t>
+            </a:r>
+            <a:endParaRPr/>
+          </a:p>
+          <a:p>
+            <a:pPr indent="-317500" lvl="1" marL="914400" rtl="0" algn="l">
+              <a:spcBef>
+                <a:spcPts val="0"/>
+              </a:spcBef>
+              <a:spcAft>
+                <a:spcPts val="0"/>
+              </a:spcAft>
+              <a:buSzPts val="1400"/>
+              <a:buChar char="○"/>
+            </a:pPr>
+            <a:r>
+              <a:rPr lang="en"/>
+              <a:t>First floor + second floor + basement = overall living area</a:t>
             </a:r>
             <a:endParaRPr/>
           </a:p>
@@ -9124,6 +9771,378 @@
         </p:nvSpPr>
         <p:spPr>
           <a:xfrm>
+            <a:off x="311700" y="445025"/>
+            <a:ext cx="8520600" cy="572700"/>
+          </a:xfrm>
+          <a:prstGeom prst="rect">
+            <a:avLst/>
+          </a:prstGeom>
+        </p:spPr>
+        <p:txBody>
+          <a:bodyPr anchorCtr="0" anchor="t" bIns="91425" lIns="91425" spcFirstLastPara="1" rIns="91425" wrap="square" tIns="91425">
+            <a:normAutofit fontScale="90000"/>
+          </a:bodyPr>
+          <a:lstStyle/>
+          <a:p>
+            <a:pPr indent="0" lvl="0" marL="0" rtl="0" algn="l">
+              <a:spcBef>
+                <a:spcPts val="0"/>
+              </a:spcBef>
+              <a:spcAft>
+                <a:spcPts val="0"/>
+              </a:spcAft>
+              <a:buNone/>
+            </a:pPr>
+            <a:r>
+              <a:rPr lang="en"/>
+              <a:t>Steps in the Analysis (cont.)</a:t>
+            </a:r>
+            <a:endParaRPr/>
+          </a:p>
+        </p:txBody>
+      </p:sp>
+      <p:sp>
+        <p:nvSpPr>
+          <p:cNvPr id="91" name="Google Shape;91;p19"/>
+          <p:cNvSpPr txBox="1"/>
+          <p:nvPr>
+            <p:ph idx="1" type="body"/>
+          </p:nvPr>
+        </p:nvSpPr>
+        <p:spPr>
+          <a:xfrm>
+            <a:off x="311700" y="1152475"/>
+            <a:ext cx="8520600" cy="3416400"/>
+          </a:xfrm>
+          <a:prstGeom prst="rect">
+            <a:avLst/>
+          </a:prstGeom>
+        </p:spPr>
+        <p:txBody>
+          <a:bodyPr anchorCtr="0" anchor="t" bIns="91425" lIns="91425" spcFirstLastPara="1" rIns="91425" wrap="square" tIns="91425">
+            <a:normAutofit/>
+          </a:bodyPr>
+          <a:lstStyle/>
+          <a:p>
+            <a:pPr indent="-342900" lvl="0" marL="457200" rtl="0" algn="l">
+              <a:spcBef>
+                <a:spcPts val="0"/>
+              </a:spcBef>
+              <a:spcAft>
+                <a:spcPts val="0"/>
+              </a:spcAft>
+              <a:buSzPts val="1800"/>
+              <a:buChar char="●"/>
+            </a:pPr>
+            <a:r>
+              <a:rPr lang="en"/>
+              <a:t>Preprocessing</a:t>
+            </a:r>
+            <a:endParaRPr/>
+          </a:p>
+          <a:p>
+            <a:pPr indent="-317500" lvl="1" marL="914400" rtl="0" algn="l">
+              <a:lnSpc>
+                <a:spcPct val="200000"/>
+              </a:lnSpc>
+              <a:spcBef>
+                <a:spcPts val="0"/>
+              </a:spcBef>
+              <a:spcAft>
+                <a:spcPts val="0"/>
+              </a:spcAft>
+              <a:buSzPts val="1400"/>
+              <a:buChar char="○"/>
+            </a:pPr>
+            <a:r>
+              <a:rPr lang="en"/>
+              <a:t>Scaling</a:t>
+            </a:r>
+            <a:endParaRPr/>
+          </a:p>
+          <a:p>
+            <a:pPr indent="-317500" lvl="1" marL="914400" rtl="0" algn="l">
+              <a:lnSpc>
+                <a:spcPct val="200000"/>
+              </a:lnSpc>
+              <a:spcBef>
+                <a:spcPts val="0"/>
+              </a:spcBef>
+              <a:spcAft>
+                <a:spcPts val="0"/>
+              </a:spcAft>
+              <a:buSzPts val="1400"/>
+              <a:buChar char="○"/>
+            </a:pPr>
+            <a:r>
+              <a:rPr lang="en"/>
+              <a:t>One-hot encoding</a:t>
+            </a:r>
+            <a:endParaRPr/>
+          </a:p>
+          <a:p>
+            <a:pPr indent="-342900" lvl="0" marL="457200" rtl="0" algn="l">
+              <a:spcBef>
+                <a:spcPts val="0"/>
+              </a:spcBef>
+              <a:spcAft>
+                <a:spcPts val="0"/>
+              </a:spcAft>
+              <a:buSzPts val="1800"/>
+              <a:buChar char="●"/>
+            </a:pPr>
+            <a:r>
+              <a:rPr lang="en"/>
+              <a:t>Exploratory Data Analysis</a:t>
+            </a:r>
+            <a:endParaRPr/>
+          </a:p>
+          <a:p>
+            <a:pPr indent="-317500" lvl="1" marL="914400" rtl="0" algn="l">
+              <a:lnSpc>
+                <a:spcPct val="200000"/>
+              </a:lnSpc>
+              <a:spcBef>
+                <a:spcPts val="0"/>
+              </a:spcBef>
+              <a:spcAft>
+                <a:spcPts val="0"/>
+              </a:spcAft>
+              <a:buSzPts val="1400"/>
+              <a:buChar char="○"/>
+            </a:pPr>
+            <a:r>
+              <a:rPr lang="en"/>
+              <a:t>Checking for correlations with heatmap</a:t>
+            </a:r>
+            <a:endParaRPr/>
+          </a:p>
+          <a:p>
+            <a:pPr indent="-317500" lvl="1" marL="914400" rtl="0" algn="l">
+              <a:lnSpc>
+                <a:spcPct val="200000"/>
+              </a:lnSpc>
+              <a:spcBef>
+                <a:spcPts val="0"/>
+              </a:spcBef>
+              <a:spcAft>
+                <a:spcPts val="0"/>
+              </a:spcAft>
+              <a:buSzPts val="1400"/>
+              <a:buChar char="○"/>
+            </a:pPr>
+            <a:r>
+              <a:rPr lang="en"/>
+              <a:t>Plotting sale price against other variables</a:t>
+            </a:r>
+            <a:endParaRPr/>
+          </a:p>
+          <a:p>
+            <a:pPr indent="-317500" lvl="1" marL="914400" rtl="0" algn="l">
+              <a:lnSpc>
+                <a:spcPct val="200000"/>
+              </a:lnSpc>
+              <a:spcBef>
+                <a:spcPts val="0"/>
+              </a:spcBef>
+              <a:spcAft>
+                <a:spcPts val="0"/>
+              </a:spcAft>
+              <a:buSzPts val="1400"/>
+              <a:buChar char="○"/>
+            </a:pPr>
+            <a:r>
+              <a:rPr lang="en"/>
+              <a:t>Hypothesis testing</a:t>
+            </a:r>
+            <a:endParaRPr/>
+          </a:p>
+          <a:p>
+            <a:pPr indent="0" lvl="0" marL="0" rtl="0" algn="l">
+              <a:spcBef>
+                <a:spcPts val="1200"/>
+              </a:spcBef>
+              <a:spcAft>
+                <a:spcPts val="1200"/>
+              </a:spcAft>
+              <a:buNone/>
+            </a:pPr>
+            <a:r>
+              <a:t/>
+            </a:r>
+            <a:endParaRPr/>
+          </a:p>
+        </p:txBody>
+      </p:sp>
+    </p:spTree>
+  </p:cSld>
+  <p:clrMapOvr>
+    <a:masterClrMapping/>
+  </p:clrMapOvr>
+</p:sld>
+</file>
+
+<file path=ppt/slides/slide8.xml><?xml version="1.0" encoding="utf-8"?>
+<p:sld xmlns:a="http://schemas.openxmlformats.org/drawingml/2006/main" xmlns:r="http://schemas.openxmlformats.org/officeDocument/2006/relationships" xmlns:mc="http://schemas.openxmlformats.org/markup-compatibility/2006" xmlns:mv="urn:schemas-microsoft-com:mac:vml" xmlns:p="http://schemas.openxmlformats.org/presentationml/2006/main" xmlns:c="http://schemas.openxmlformats.org/drawingml/2006/chart" xmlns:dgm="http://schemas.openxmlformats.org/drawingml/2006/diagram" xmlns:o="urn:schemas-microsoft-com:office:office" xmlns:v="urn:schemas-microsoft-com:vml" xmlns:pvml="urn:schemas-microsoft-com:office:powerpoint" xmlns:com="http://schemas.openxmlformats.org/drawingml/2006/compatibility" xmlns:p14="http://schemas.microsoft.com/office/powerpoint/2010/main" xmlns:p15="http://schemas.microsoft.com/office/powerpoint/2012/main" xmlns:ahyp="http://schemas.microsoft.com/office/drawing/2018/hyperlinkcolor">
+  <p:cSld>
+    <p:spTree>
+      <p:nvGrpSpPr>
+        <p:cNvPr id="95" name="Shape 95"/>
+        <p:cNvGrpSpPr/>
+        <p:nvPr/>
+      </p:nvGrpSpPr>
+      <p:grpSpPr>
+        <a:xfrm>
+          <a:off x="0" y="0"/>
+          <a:ext cx="0" cy="0"/>
+          <a:chOff x="0" y="0"/>
+          <a:chExt cx="0" cy="0"/>
+        </a:xfrm>
+      </p:grpSpPr>
+      <p:sp>
+        <p:nvSpPr>
+          <p:cNvPr id="96" name="Google Shape;96;p20"/>
+          <p:cNvSpPr txBox="1"/>
+          <p:nvPr>
+            <p:ph type="title"/>
+          </p:nvPr>
+        </p:nvSpPr>
+        <p:spPr>
+          <a:xfrm>
+            <a:off x="311700" y="445025"/>
+            <a:ext cx="8520600" cy="572700"/>
+          </a:xfrm>
+          <a:prstGeom prst="rect">
+            <a:avLst/>
+          </a:prstGeom>
+        </p:spPr>
+        <p:txBody>
+          <a:bodyPr anchorCtr="0" anchor="t" bIns="91425" lIns="91425" spcFirstLastPara="1" rIns="91425" wrap="square" tIns="91425">
+            <a:normAutofit fontScale="90000"/>
+          </a:bodyPr>
+          <a:lstStyle/>
+          <a:p>
+            <a:pPr indent="0" lvl="0" marL="0" rtl="0" algn="l">
+              <a:spcBef>
+                <a:spcPts val="0"/>
+              </a:spcBef>
+              <a:spcAft>
+                <a:spcPts val="0"/>
+              </a:spcAft>
+              <a:buClr>
+                <a:schemeClr val="dk1"/>
+              </a:buClr>
+              <a:buSzPct val="39285"/>
+              <a:buFont typeface="Arial"/>
+              <a:buNone/>
+            </a:pPr>
+            <a:r>
+              <a:rPr lang="en"/>
+              <a:t>Steps in the Analysis (cont.)</a:t>
+            </a:r>
+            <a:endParaRPr/>
+          </a:p>
+        </p:txBody>
+      </p:sp>
+      <p:sp>
+        <p:nvSpPr>
+          <p:cNvPr id="97" name="Google Shape;97;p20"/>
+          <p:cNvSpPr txBox="1"/>
+          <p:nvPr>
+            <p:ph idx="1" type="body"/>
+          </p:nvPr>
+        </p:nvSpPr>
+        <p:spPr>
+          <a:xfrm>
+            <a:off x="311700" y="1152475"/>
+            <a:ext cx="8520600" cy="3416400"/>
+          </a:xfrm>
+          <a:prstGeom prst="rect">
+            <a:avLst/>
+          </a:prstGeom>
+        </p:spPr>
+        <p:txBody>
+          <a:bodyPr anchorCtr="0" anchor="t" bIns="91425" lIns="91425" spcFirstLastPara="1" rIns="91425" wrap="square" tIns="91425">
+            <a:normAutofit/>
+          </a:bodyPr>
+          <a:lstStyle/>
+          <a:p>
+            <a:pPr indent="-342900" lvl="0" marL="457200" rtl="0" algn="l">
+              <a:lnSpc>
+                <a:spcPct val="200000"/>
+              </a:lnSpc>
+              <a:spcBef>
+                <a:spcPts val="0"/>
+              </a:spcBef>
+              <a:spcAft>
+                <a:spcPts val="0"/>
+              </a:spcAft>
+              <a:buSzPts val="1800"/>
+              <a:buChar char="●"/>
+            </a:pPr>
+            <a:r>
+              <a:rPr lang="en"/>
+              <a:t>Machine Learning</a:t>
+            </a:r>
+            <a:endParaRPr/>
+          </a:p>
+          <a:p>
+            <a:pPr indent="-317500" lvl="1" marL="914400" rtl="0" algn="l">
+              <a:lnSpc>
+                <a:spcPct val="200000"/>
+              </a:lnSpc>
+              <a:spcBef>
+                <a:spcPts val="0"/>
+              </a:spcBef>
+              <a:spcAft>
+                <a:spcPts val="0"/>
+              </a:spcAft>
+              <a:buSzPts val="1400"/>
+              <a:buChar char="○"/>
+            </a:pPr>
+            <a:r>
+              <a:rPr lang="en"/>
+              <a:t>Run regression analyses using test-train splits</a:t>
+            </a:r>
+            <a:endParaRPr/>
+          </a:p>
+        </p:txBody>
+      </p:sp>
+    </p:spTree>
+  </p:cSld>
+  <p:clrMapOvr>
+    <a:masterClrMapping/>
+  </p:clrMapOvr>
+</p:sld>
+</file>
+
+<file path=ppt/slides/slide9.xml><?xml version="1.0" encoding="utf-8"?>
+<p:sld xmlns:a="http://schemas.openxmlformats.org/drawingml/2006/main" xmlns:r="http://schemas.openxmlformats.org/officeDocument/2006/relationships" xmlns:mc="http://schemas.openxmlformats.org/markup-compatibility/2006" xmlns:mv="urn:schemas-microsoft-com:mac:vml" xmlns:p="http://schemas.openxmlformats.org/presentationml/2006/main" xmlns:c="http://schemas.openxmlformats.org/drawingml/2006/chart" xmlns:dgm="http://schemas.openxmlformats.org/drawingml/2006/diagram" xmlns:o="urn:schemas-microsoft-com:office:office" xmlns:v="urn:schemas-microsoft-com:vml" xmlns:pvml="urn:schemas-microsoft-com:office:powerpoint" xmlns:com="http://schemas.openxmlformats.org/drawingml/2006/compatibility" xmlns:p14="http://schemas.microsoft.com/office/powerpoint/2010/main" xmlns:p15="http://schemas.microsoft.com/office/powerpoint/2012/main" xmlns:ahyp="http://schemas.microsoft.com/office/drawing/2018/hyperlinkcolor">
+  <p:cSld>
+    <p:spTree>
+      <p:nvGrpSpPr>
+        <p:cNvPr id="101" name="Shape 101"/>
+        <p:cNvGrpSpPr/>
+        <p:nvPr/>
+      </p:nvGrpSpPr>
+      <p:grpSpPr>
+        <a:xfrm>
+          <a:off x="0" y="0"/>
+          <a:ext cx="0" cy="0"/>
+          <a:chOff x="0" y="0"/>
+          <a:chExt cx="0" cy="0"/>
+        </a:xfrm>
+      </p:grpSpPr>
+      <p:sp>
+        <p:nvSpPr>
+          <p:cNvPr id="102" name="Google Shape;102;p21"/>
+          <p:cNvSpPr txBox="1"/>
+          <p:nvPr>
+            <p:ph type="title"/>
+          </p:nvPr>
+        </p:nvSpPr>
+        <p:spPr>
+          <a:xfrm>
             <a:off x="311700" y="555600"/>
             <a:ext cx="2808000" cy="755700"/>
           </a:xfrm>
@@ -9156,7 +10175,7 @@
       </p:sp>
       <p:sp>
         <p:nvSpPr>
-          <p:cNvPr id="91" name="Google Shape;91;p19"/>
+          <p:cNvPr id="103" name="Google Shape;103;p21"/>
           <p:cNvSpPr txBox="1"/>
           <p:nvPr>
             <p:ph idx="1" type="body"/>
@@ -9281,7 +10300,7 @@
       </p:sp>
       <p:pic>
         <p:nvPicPr>
-          <p:cNvPr id="92" name="Google Shape;92;p19"/>
+          <p:cNvPr id="104" name="Google Shape;104;p21"/>
           <p:cNvPicPr preferRelativeResize="0"/>
           <p:nvPr/>
         </p:nvPicPr>
@@ -9297,272 +10316,6 @@
           <a:xfrm>
             <a:off x="3272100" y="152400"/>
             <a:ext cx="5719501" cy="4335632"/>
-          </a:xfrm>
-          <a:prstGeom prst="rect">
-            <a:avLst/>
-          </a:prstGeom>
-          <a:noFill/>
-          <a:ln>
-            <a:noFill/>
-          </a:ln>
-        </p:spPr>
-      </p:pic>
-    </p:spTree>
-  </p:cSld>
-  <p:clrMapOvr>
-    <a:masterClrMapping/>
-  </p:clrMapOvr>
-</p:sld>
-</file>
-
-<file path=ppt/slides/slide8.xml><?xml version="1.0" encoding="utf-8"?>
-<p:sld xmlns:a="http://schemas.openxmlformats.org/drawingml/2006/main" xmlns:r="http://schemas.openxmlformats.org/officeDocument/2006/relationships" xmlns:mc="http://schemas.openxmlformats.org/markup-compatibility/2006" xmlns:mv="urn:schemas-microsoft-com:mac:vml" xmlns:p="http://schemas.openxmlformats.org/presentationml/2006/main" xmlns:c="http://schemas.openxmlformats.org/drawingml/2006/chart" xmlns:dgm="http://schemas.openxmlformats.org/drawingml/2006/diagram" xmlns:o="urn:schemas-microsoft-com:office:office" xmlns:v="urn:schemas-microsoft-com:vml" xmlns:pvml="urn:schemas-microsoft-com:office:powerpoint" xmlns:com="http://schemas.openxmlformats.org/drawingml/2006/compatibility" xmlns:p14="http://schemas.microsoft.com/office/powerpoint/2010/main" xmlns:p15="http://schemas.microsoft.com/office/powerpoint/2012/main" xmlns:ahyp="http://schemas.microsoft.com/office/drawing/2018/hyperlinkcolor">
-  <p:cSld>
-    <p:spTree>
-      <p:nvGrpSpPr>
-        <p:cNvPr id="96" name="Shape 96"/>
-        <p:cNvGrpSpPr/>
-        <p:nvPr/>
-      </p:nvGrpSpPr>
-      <p:grpSpPr>
-        <a:xfrm>
-          <a:off x="0" y="0"/>
-          <a:ext cx="0" cy="0"/>
-          <a:chOff x="0" y="0"/>
-          <a:chExt cx="0" cy="0"/>
-        </a:xfrm>
-      </p:grpSpPr>
-      <p:sp>
-        <p:nvSpPr>
-          <p:cNvPr id="97" name="Google Shape;97;p20"/>
-          <p:cNvSpPr txBox="1"/>
-          <p:nvPr>
-            <p:ph idx="4294967295" type="title"/>
-          </p:nvPr>
-        </p:nvSpPr>
-        <p:spPr>
-          <a:xfrm>
-            <a:off x="311700" y="445025"/>
-            <a:ext cx="8520600" cy="572700"/>
-          </a:xfrm>
-          <a:prstGeom prst="rect">
-            <a:avLst/>
-          </a:prstGeom>
-        </p:spPr>
-        <p:txBody>
-          <a:bodyPr anchorCtr="0" anchor="t" bIns="91425" lIns="91425" spcFirstLastPara="1" rIns="91425" wrap="square" tIns="91425">
-            <a:normAutofit fontScale="90000"/>
-          </a:bodyPr>
-          <a:lstStyle/>
-          <a:p>
-            <a:pPr indent="0" lvl="0" marL="0" rtl="0" algn="l">
-              <a:spcBef>
-                <a:spcPts val="0"/>
-              </a:spcBef>
-              <a:spcAft>
-                <a:spcPts val="0"/>
-              </a:spcAft>
-              <a:buNone/>
-            </a:pPr>
-            <a:r>
-              <a:rPr lang="en"/>
-              <a:t>Exploratory Data Analysis</a:t>
-            </a:r>
-            <a:endParaRPr/>
-          </a:p>
-        </p:txBody>
-      </p:sp>
-      <p:sp>
-        <p:nvSpPr>
-          <p:cNvPr id="98" name="Google Shape;98;p20"/>
-          <p:cNvSpPr txBox="1"/>
-          <p:nvPr>
-            <p:ph idx="1" type="body"/>
-          </p:nvPr>
-        </p:nvSpPr>
-        <p:spPr>
-          <a:xfrm>
-            <a:off x="311700" y="4230575"/>
-            <a:ext cx="5998800" cy="605100"/>
-          </a:xfrm>
-          <a:prstGeom prst="rect">
-            <a:avLst/>
-          </a:prstGeom>
-        </p:spPr>
-        <p:txBody>
-          <a:bodyPr anchorCtr="0" anchor="ctr" bIns="91425" lIns="91425" spcFirstLastPara="1" rIns="91425" wrap="square" tIns="91425">
-            <a:normAutofit fontScale="92500" lnSpcReduction="20000"/>
-          </a:bodyPr>
-          <a:lstStyle/>
-          <a:p>
-            <a:pPr indent="0" lvl="0" marL="0" rtl="0" algn="l">
-              <a:spcBef>
-                <a:spcPts val="0"/>
-              </a:spcBef>
-              <a:spcAft>
-                <a:spcPts val="0"/>
-              </a:spcAft>
-              <a:buNone/>
-            </a:pPr>
-            <a:r>
-              <a:rPr lang="en"/>
-              <a:t>Plotting the age of the house against the sale price. Age of the house is negatively correlated with sale price.</a:t>
-            </a:r>
-            <a:endParaRPr/>
-          </a:p>
-        </p:txBody>
-      </p:sp>
-      <p:pic>
-        <p:nvPicPr>
-          <p:cNvPr id="99" name="Google Shape;99;p20"/>
-          <p:cNvPicPr preferRelativeResize="0"/>
-          <p:nvPr/>
-        </p:nvPicPr>
-        <p:blipFill>
-          <a:blip r:embed="rId3">
-            <a:alphaModFix/>
-          </a:blip>
-          <a:stretch>
-            <a:fillRect/>
-          </a:stretch>
-        </p:blipFill>
-        <p:spPr>
-          <a:xfrm>
-            <a:off x="2628900" y="1087000"/>
-            <a:ext cx="3886200" cy="2647950"/>
-          </a:xfrm>
-          <a:prstGeom prst="rect">
-            <a:avLst/>
-          </a:prstGeom>
-          <a:noFill/>
-          <a:ln>
-            <a:noFill/>
-          </a:ln>
-        </p:spPr>
-      </p:pic>
-    </p:spTree>
-  </p:cSld>
-  <p:clrMapOvr>
-    <a:masterClrMapping/>
-  </p:clrMapOvr>
-</p:sld>
-</file>
-
-<file path=ppt/slides/slide9.xml><?xml version="1.0" encoding="utf-8"?>
-<p:sld xmlns:a="http://schemas.openxmlformats.org/drawingml/2006/main" xmlns:r="http://schemas.openxmlformats.org/officeDocument/2006/relationships" xmlns:mc="http://schemas.openxmlformats.org/markup-compatibility/2006" xmlns:mv="urn:schemas-microsoft-com:mac:vml" xmlns:p="http://schemas.openxmlformats.org/presentationml/2006/main" xmlns:c="http://schemas.openxmlformats.org/drawingml/2006/chart" xmlns:dgm="http://schemas.openxmlformats.org/drawingml/2006/diagram" xmlns:o="urn:schemas-microsoft-com:office:office" xmlns:v="urn:schemas-microsoft-com:vml" xmlns:pvml="urn:schemas-microsoft-com:office:powerpoint" xmlns:com="http://schemas.openxmlformats.org/drawingml/2006/compatibility" xmlns:p14="http://schemas.microsoft.com/office/powerpoint/2010/main" xmlns:p15="http://schemas.microsoft.com/office/powerpoint/2012/main" xmlns:ahyp="http://schemas.microsoft.com/office/drawing/2018/hyperlinkcolor">
-  <p:cSld>
-    <p:spTree>
-      <p:nvGrpSpPr>
-        <p:cNvPr id="103" name="Shape 103"/>
-        <p:cNvGrpSpPr/>
-        <p:nvPr/>
-      </p:nvGrpSpPr>
-      <p:grpSpPr>
-        <a:xfrm>
-          <a:off x="0" y="0"/>
-          <a:ext cx="0" cy="0"/>
-          <a:chOff x="0" y="0"/>
-          <a:chExt cx="0" cy="0"/>
-        </a:xfrm>
-      </p:grpSpPr>
-      <p:sp>
-        <p:nvSpPr>
-          <p:cNvPr id="104" name="Google Shape;104;p21"/>
-          <p:cNvSpPr txBox="1"/>
-          <p:nvPr>
-            <p:ph idx="1" type="body"/>
-          </p:nvPr>
-        </p:nvSpPr>
-        <p:spPr>
-          <a:xfrm>
-            <a:off x="311700" y="4230575"/>
-            <a:ext cx="5998800" cy="605100"/>
-          </a:xfrm>
-          <a:prstGeom prst="rect">
-            <a:avLst/>
-          </a:prstGeom>
-        </p:spPr>
-        <p:txBody>
-          <a:bodyPr anchorCtr="0" anchor="ctr" bIns="91425" lIns="91425" spcFirstLastPara="1" rIns="91425" wrap="square" tIns="91425">
-            <a:normAutofit fontScale="85000" lnSpcReduction="10000"/>
-          </a:bodyPr>
-          <a:lstStyle/>
-          <a:p>
-            <a:pPr indent="0" lvl="0" marL="0" rtl="0" algn="l">
-              <a:spcBef>
-                <a:spcPts val="0"/>
-              </a:spcBef>
-              <a:spcAft>
-                <a:spcPts val="0"/>
-              </a:spcAft>
-              <a:buNone/>
-            </a:pPr>
-            <a:r>
-              <a:rPr lang="en"/>
-              <a:t>Plotting sale price against greater living area A strongly positive correlation can be seen between the living area and sale price.</a:t>
-            </a:r>
-            <a:endParaRPr/>
-          </a:p>
-        </p:txBody>
-      </p:sp>
-      <p:sp>
-        <p:nvSpPr>
-          <p:cNvPr id="105" name="Google Shape;105;p21"/>
-          <p:cNvSpPr txBox="1"/>
-          <p:nvPr>
-            <p:ph idx="4294967295" type="title"/>
-          </p:nvPr>
-        </p:nvSpPr>
-        <p:spPr>
-          <a:xfrm>
-            <a:off x="311700" y="445025"/>
-            <a:ext cx="8520600" cy="572700"/>
-          </a:xfrm>
-          <a:prstGeom prst="rect">
-            <a:avLst/>
-          </a:prstGeom>
-        </p:spPr>
-        <p:txBody>
-          <a:bodyPr anchorCtr="0" anchor="t" bIns="91425" lIns="91425" spcFirstLastPara="1" rIns="91425" wrap="square" tIns="91425">
-            <a:normAutofit fontScale="90000"/>
-          </a:bodyPr>
-          <a:lstStyle/>
-          <a:p>
-            <a:pPr indent="0" lvl="0" marL="0" rtl="0" algn="l">
-              <a:spcBef>
-                <a:spcPts val="0"/>
-              </a:spcBef>
-              <a:spcAft>
-                <a:spcPts val="0"/>
-              </a:spcAft>
-              <a:buNone/>
-            </a:pPr>
-            <a:r>
-              <a:rPr lang="en"/>
-              <a:t>Exploratory Data Analysis (cont.)</a:t>
-            </a:r>
-            <a:endParaRPr/>
-          </a:p>
-        </p:txBody>
-      </p:sp>
-      <p:pic>
-        <p:nvPicPr>
-          <p:cNvPr id="106" name="Google Shape;106;p21"/>
-          <p:cNvPicPr preferRelativeResize="0"/>
-          <p:nvPr/>
-        </p:nvPicPr>
-        <p:blipFill>
-          <a:blip r:embed="rId3">
-            <a:alphaModFix/>
-          </a:blip>
-          <a:stretch>
-            <a:fillRect/>
-          </a:stretch>
-        </p:blipFill>
-        <p:spPr>
-          <a:xfrm>
-            <a:off x="2628900" y="1149325"/>
-            <a:ext cx="3886200" cy="2647950"/>
           </a:xfrm>
           <a:prstGeom prst="rect">
             <a:avLst/>

--- a/Capstone 2/Capstone Presentation.pptx
+++ b/Capstone 2/Capstone Presentation.pptx
@@ -25,6 +25,7 @@
     <p:sldId id="270" r:id="rId20"/>
     <p:sldId id="271" r:id="rId21"/>
     <p:sldId id="272" r:id="rId22"/>
+    <p:sldId id="273" r:id="rId23"/>
   </p:sldIdLst>
   <p:sldSz cy="5143500" cx="9144000"/>
   <p:notesSz cx="6858000" cy="9144000"/>
@@ -1315,7 +1316,7 @@
       </p:grpSpPr>
       <p:sp>
         <p:nvSpPr>
-          <p:cNvPr id="140" name="Google Shape;140;gbb8bb4a0c7_0_45:notes"/>
+          <p:cNvPr id="140" name="Google Shape;140;gbb8bb4a0c7_0_40:notes"/>
           <p:cNvSpPr/>
           <p:nvPr>
             <p:ph idx="2" type="sldImg"/>
@@ -1350,7 +1351,7 @@
       </p:sp>
       <p:sp>
         <p:nvSpPr>
-          <p:cNvPr id="141" name="Google Shape;141;gbb8bb4a0c7_0_45:notes"/>
+          <p:cNvPr id="141" name="Google Shape;141;gbb8bb4a0c7_0_40:notes"/>
           <p:cNvSpPr txBox="1"/>
           <p:nvPr>
             <p:ph idx="1" type="body"/>
@@ -1400,7 +1401,7 @@
   <p:cSld>
     <p:spTree>
       <p:nvGrpSpPr>
-        <p:cNvPr id="145" name="Shape 145"/>
+        <p:cNvPr id="146" name="Shape 146"/>
         <p:cNvGrpSpPr/>
         <p:nvPr/>
       </p:nvGrpSpPr>
@@ -1414,7 +1415,7 @@
       </p:grpSpPr>
       <p:sp>
         <p:nvSpPr>
-          <p:cNvPr id="146" name="Google Shape;146;gbb8bb4a0c7_0_50:notes"/>
+          <p:cNvPr id="147" name="Google Shape;147;gbb8bb4a0c7_0_45:notes"/>
           <p:cNvSpPr/>
           <p:nvPr>
             <p:ph idx="2" type="sldImg"/>
@@ -1449,7 +1450,7 @@
       </p:sp>
       <p:sp>
         <p:nvSpPr>
-          <p:cNvPr id="147" name="Google Shape;147;gbb8bb4a0c7_0_50:notes"/>
+          <p:cNvPr id="148" name="Google Shape;148;gbb8bb4a0c7_0_45:notes"/>
           <p:cNvSpPr txBox="1"/>
           <p:nvPr>
             <p:ph idx="1" type="body"/>
@@ -1499,7 +1500,7 @@
   <p:cSld>
     <p:spTree>
       <p:nvGrpSpPr>
-        <p:cNvPr id="151" name="Shape 151"/>
+        <p:cNvPr id="152" name="Shape 152"/>
         <p:cNvGrpSpPr/>
         <p:nvPr/>
       </p:nvGrpSpPr>
@@ -1513,7 +1514,7 @@
       </p:grpSpPr>
       <p:sp>
         <p:nvSpPr>
-          <p:cNvPr id="152" name="Google Shape;152;gbe126a76d2_0_10:notes"/>
+          <p:cNvPr id="153" name="Google Shape;153;gbb8bb4a0c7_0_50:notes"/>
           <p:cNvSpPr/>
           <p:nvPr>
             <p:ph idx="2" type="sldImg"/>
@@ -1548,7 +1549,106 @@
       </p:sp>
       <p:sp>
         <p:nvSpPr>
-          <p:cNvPr id="153" name="Google Shape;153;gbe126a76d2_0_10:notes"/>
+          <p:cNvPr id="154" name="Google Shape;154;gbb8bb4a0c7_0_50:notes"/>
+          <p:cNvSpPr txBox="1"/>
+          <p:nvPr>
+            <p:ph idx="1" type="body"/>
+          </p:nvPr>
+        </p:nvSpPr>
+        <p:spPr>
+          <a:xfrm>
+            <a:off x="685800" y="4343400"/>
+            <a:ext cx="5486400" cy="4114800"/>
+          </a:xfrm>
+          <a:prstGeom prst="rect">
+            <a:avLst/>
+          </a:prstGeom>
+        </p:spPr>
+        <p:txBody>
+          <a:bodyPr anchorCtr="0" anchor="t" bIns="91425" lIns="91425" spcFirstLastPara="1" rIns="91425" wrap="square" tIns="91425">
+            <a:noAutofit/>
+          </a:bodyPr>
+          <a:lstStyle/>
+          <a:p>
+            <a:pPr indent="0" lvl="0" marL="0" rtl="0" algn="l">
+              <a:spcBef>
+                <a:spcPts val="0"/>
+              </a:spcBef>
+              <a:spcAft>
+                <a:spcPts val="0"/>
+              </a:spcAft>
+              <a:buNone/>
+            </a:pPr>
+            <a:r>
+              <a:t/>
+            </a:r>
+            <a:endParaRPr/>
+          </a:p>
+        </p:txBody>
+      </p:sp>
+    </p:spTree>
+  </p:cSld>
+  <p:clrMapOvr>
+    <a:masterClrMapping/>
+  </p:clrMapOvr>
+</p:notes>
+</file>
+
+<file path=ppt/notesSlides/notesSlide18.xml><?xml version="1.0" encoding="utf-8"?>
+<p:notes xmlns:a="http://schemas.openxmlformats.org/drawingml/2006/main" xmlns:r="http://schemas.openxmlformats.org/officeDocument/2006/relationships" xmlns:mc="http://schemas.openxmlformats.org/markup-compatibility/2006" xmlns:mv="urn:schemas-microsoft-com:mac:vml" xmlns:p="http://schemas.openxmlformats.org/presentationml/2006/main" xmlns:c="http://schemas.openxmlformats.org/drawingml/2006/chart" xmlns:dgm="http://schemas.openxmlformats.org/drawingml/2006/diagram" xmlns:o="urn:schemas-microsoft-com:office:office" xmlns:v="urn:schemas-microsoft-com:vml" xmlns:pvml="urn:schemas-microsoft-com:office:powerpoint" xmlns:com="http://schemas.openxmlformats.org/drawingml/2006/compatibility" xmlns:p14="http://schemas.microsoft.com/office/powerpoint/2010/main" xmlns:p15="http://schemas.microsoft.com/office/powerpoint/2012/main" xmlns:ahyp="http://schemas.microsoft.com/office/drawing/2018/hyperlinkcolor" showMasterPhAnim="0" showMasterSp="0">
+  <p:cSld>
+    <p:spTree>
+      <p:nvGrpSpPr>
+        <p:cNvPr id="158" name="Shape 158"/>
+        <p:cNvGrpSpPr/>
+        <p:nvPr/>
+      </p:nvGrpSpPr>
+      <p:grpSpPr>
+        <a:xfrm>
+          <a:off x="0" y="0"/>
+          <a:ext cx="0" cy="0"/>
+          <a:chOff x="0" y="0"/>
+          <a:chExt cx="0" cy="0"/>
+        </a:xfrm>
+      </p:grpSpPr>
+      <p:sp>
+        <p:nvSpPr>
+          <p:cNvPr id="159" name="Google Shape;159;gbe126a76d2_0_10:notes"/>
+          <p:cNvSpPr/>
+          <p:nvPr>
+            <p:ph idx="2" type="sldImg"/>
+          </p:nvPr>
+        </p:nvSpPr>
+        <p:spPr>
+          <a:xfrm>
+            <a:off x="381300" y="685800"/>
+            <a:ext cx="6096000" cy="3429000"/>
+          </a:xfrm>
+          <a:custGeom>
+            <a:rect b="b" l="l" r="r" t="t"/>
+            <a:pathLst>
+              <a:path extrusionOk="0" h="120000" w="120000">
+                <a:moveTo>
+                  <a:pt x="0" y="0"/>
+                </a:moveTo>
+                <a:lnTo>
+                  <a:pt x="120000" y="0"/>
+                </a:lnTo>
+                <a:lnTo>
+                  <a:pt x="120000" y="120000"/>
+                </a:lnTo>
+                <a:lnTo>
+                  <a:pt x="0" y="120000"/>
+                </a:lnTo>
+                <a:close/>
+              </a:path>
+            </a:pathLst>
+          </a:custGeom>
+        </p:spPr>
+      </p:sp>
+      <p:sp>
+        <p:nvSpPr>
+          <p:cNvPr id="160" name="Google Shape;160;gbe126a76d2_0_10:notes"/>
           <p:cNvSpPr txBox="1"/>
           <p:nvPr>
             <p:ph idx="1" type="body"/>
@@ -2305,7 +2405,7 @@
       </p:grpSpPr>
       <p:sp>
         <p:nvSpPr>
-          <p:cNvPr id="99" name="Google Shape;99;gbb8bb4a0c7_0_40:notes"/>
+          <p:cNvPr id="99" name="Google Shape;99;gbd45fced08_0_0:notes"/>
           <p:cNvSpPr/>
           <p:nvPr>
             <p:ph idx="2" type="sldImg"/>
@@ -2340,7 +2440,7 @@
       </p:sp>
       <p:sp>
         <p:nvSpPr>
-          <p:cNvPr id="100" name="Google Shape;100;gbb8bb4a0c7_0_40:notes"/>
+          <p:cNvPr id="100" name="Google Shape;100;gbd45fced08_0_0:notes"/>
           <p:cNvSpPr txBox="1"/>
           <p:nvPr>
             <p:ph idx="1" type="body"/>
@@ -7125,7 +7225,7 @@
             </a:pPr>
             <a:r>
               <a:rPr lang="en"/>
-              <a:t>Sara Maxwell</a:t>
+              <a:t> </a:t>
             </a:r>
             <a:endParaRPr/>
           </a:p>
@@ -7190,7 +7290,7 @@
             </a:pPr>
             <a:r>
               <a:rPr lang="en"/>
-              <a:t>Exploratory Data Analysis</a:t>
+              <a:t>Exploratory Data Analysis (cont.)</a:t>
             </a:r>
             <a:endParaRPr/>
           </a:p>
@@ -7973,16 +8073,16 @@
         </p:nvSpPr>
         <p:spPr>
           <a:xfrm>
-            <a:off x="311700" y="445025"/>
-            <a:ext cx="8520600" cy="572700"/>
+            <a:off x="311700" y="555600"/>
+            <a:ext cx="2808000" cy="755700"/>
           </a:xfrm>
           <a:prstGeom prst="rect">
             <a:avLst/>
           </a:prstGeom>
         </p:spPr>
         <p:txBody>
-          <a:bodyPr anchorCtr="0" anchor="t" bIns="91425" lIns="91425" spcFirstLastPara="1" rIns="91425" wrap="square" tIns="91425">
-            <a:normAutofit fontScale="90000"/>
+          <a:bodyPr anchorCtr="0" anchor="b" bIns="91425" lIns="91425" spcFirstLastPara="1" rIns="91425" wrap="square" tIns="91425">
+            <a:normAutofit/>
           </a:bodyPr>
           <a:lstStyle/>
           <a:p>
@@ -7997,7 +8097,7 @@
             </a:pPr>
             <a:r>
               <a:rPr lang="en"/>
-              <a:t>Conclusions</a:t>
+              <a:t>Feature Selection</a:t>
             </a:r>
             <a:endParaRPr/>
           </a:p>
@@ -8013,8 +8113,8 @@
         </p:nvSpPr>
         <p:spPr>
           <a:xfrm>
-            <a:off x="311700" y="1152475"/>
-            <a:ext cx="8520600" cy="3416400"/>
+            <a:off x="311700" y="1389600"/>
+            <a:ext cx="2808000" cy="3179400"/>
           </a:xfrm>
           <a:prstGeom prst="rect">
             <a:avLst/>
@@ -8022,7 +8122,7 @@
         </p:spPr>
         <p:txBody>
           <a:bodyPr anchorCtr="0" anchor="t" bIns="91425" lIns="91425" spcFirstLastPara="1" rIns="91425" wrap="square" tIns="91425">
-            <a:normAutofit lnSpcReduction="10000"/>
+            <a:normAutofit/>
           </a:bodyPr>
           <a:lstStyle/>
           <a:p>
@@ -8036,143 +8136,126 @@
               <a:buNone/>
             </a:pPr>
             <a:r>
-              <a:rPr lang="en"/>
-              <a:t>Most important features</a:t>
-            </a:r>
-            <a:endParaRPr/>
-          </a:p>
-          <a:p>
-            <a:pPr indent="-342900" lvl="0" marL="457200" rtl="0" algn="l">
-              <a:lnSpc>
-                <a:spcPct val="150000"/>
-              </a:lnSpc>
+              <a:rPr lang="en" sz="1500"/>
+              <a:t>Strongest features:</a:t>
+            </a:r>
+            <a:endParaRPr sz="1500"/>
+          </a:p>
+          <a:p>
+            <a:pPr indent="-323850" lvl="0" marL="457200" rtl="0" algn="l">
               <a:spcBef>
                 <a:spcPts val="1200"/>
               </a:spcBef>
               <a:spcAft>
                 <a:spcPts val="0"/>
               </a:spcAft>
-              <a:buSzPts val="1800"/>
+              <a:buSzPts val="1500"/>
               <a:buChar char="●"/>
             </a:pPr>
             <a:r>
-              <a:rPr lang="en"/>
+              <a:rPr lang="en" sz="1500"/>
               <a:t>Overall quality</a:t>
             </a:r>
-            <a:endParaRPr/>
-          </a:p>
-          <a:p>
-            <a:pPr indent="-342900" lvl="0" marL="457200" rtl="0" algn="l">
-              <a:lnSpc>
-                <a:spcPct val="150000"/>
-              </a:lnSpc>
-              <a:spcBef>
-                <a:spcPts val="0"/>
-              </a:spcBef>
-              <a:spcAft>
-                <a:spcPts val="0"/>
-              </a:spcAft>
-              <a:buSzPts val="1800"/>
+            <a:endParaRPr sz="1500"/>
+          </a:p>
+          <a:p>
+            <a:pPr indent="-323850" lvl="0" marL="457200" rtl="0" algn="l">
+              <a:spcBef>
+                <a:spcPts val="0"/>
+              </a:spcBef>
+              <a:spcAft>
+                <a:spcPts val="0"/>
+              </a:spcAft>
+              <a:buSzPts val="1500"/>
               <a:buChar char="●"/>
             </a:pPr>
             <a:r>
-              <a:rPr lang="en"/>
+              <a:rPr lang="en" sz="1500"/>
               <a:t>Living area</a:t>
             </a:r>
-            <a:endParaRPr/>
-          </a:p>
-          <a:p>
-            <a:pPr indent="-342900" lvl="0" marL="457200" rtl="0" algn="l">
-              <a:lnSpc>
-                <a:spcPct val="150000"/>
-              </a:lnSpc>
-              <a:spcBef>
-                <a:spcPts val="0"/>
-              </a:spcBef>
-              <a:spcAft>
-                <a:spcPts val="0"/>
-              </a:spcAft>
-              <a:buSzPts val="1800"/>
+            <a:endParaRPr sz="1500"/>
+          </a:p>
+          <a:p>
+            <a:pPr indent="-323850" lvl="0" marL="457200" rtl="0" algn="l">
+              <a:spcBef>
+                <a:spcPts val="0"/>
+              </a:spcBef>
+              <a:spcAft>
+                <a:spcPts val="0"/>
+              </a:spcAft>
+              <a:buSzPts val="1500"/>
               <a:buChar char="●"/>
             </a:pPr>
             <a:r>
-              <a:rPr lang="en"/>
-              <a:t>Exterior quality</a:t>
-            </a:r>
-            <a:endParaRPr/>
-          </a:p>
-          <a:p>
-            <a:pPr indent="-342900" lvl="0" marL="457200" rtl="0" algn="l">
-              <a:lnSpc>
-                <a:spcPct val="150000"/>
-              </a:lnSpc>
-              <a:spcBef>
-                <a:spcPts val="0"/>
-              </a:spcBef>
-              <a:spcAft>
-                <a:spcPts val="0"/>
-              </a:spcAft>
-              <a:buSzPts val="1800"/>
+              <a:rPr lang="en" sz="1500"/>
+              <a:t>External quality</a:t>
+            </a:r>
+            <a:endParaRPr sz="1500"/>
+          </a:p>
+          <a:p>
+            <a:pPr indent="-323850" lvl="0" marL="457200" rtl="0" algn="l">
+              <a:spcBef>
+                <a:spcPts val="0"/>
+              </a:spcBef>
+              <a:spcAft>
+                <a:spcPts val="0"/>
+              </a:spcAft>
+              <a:buSzPts val="1500"/>
               <a:buChar char="●"/>
             </a:pPr>
             <a:r>
-              <a:rPr lang="en"/>
+              <a:rPr lang="en" sz="1500"/>
               <a:t>Kitchen</a:t>
             </a:r>
-            <a:endParaRPr/>
-          </a:p>
-          <a:p>
-            <a:pPr indent="-342900" lvl="0" marL="457200" rtl="0" algn="l">
-              <a:lnSpc>
-                <a:spcPct val="150000"/>
-              </a:lnSpc>
-              <a:spcBef>
-                <a:spcPts val="0"/>
-              </a:spcBef>
-              <a:spcAft>
-                <a:spcPts val="0"/>
-              </a:spcAft>
-              <a:buSzPts val="1800"/>
+            <a:endParaRPr sz="1500"/>
+          </a:p>
+          <a:p>
+            <a:pPr indent="-323850" lvl="0" marL="457200" rtl="0" algn="l">
+              <a:spcBef>
+                <a:spcPts val="0"/>
+              </a:spcBef>
+              <a:spcAft>
+                <a:spcPts val="0"/>
+              </a:spcAft>
+              <a:buSzPts val="1500"/>
               <a:buChar char="●"/>
             </a:pPr>
             <a:r>
-              <a:rPr lang="en"/>
+              <a:rPr lang="en" sz="1500"/>
               <a:t>Garage area</a:t>
             </a:r>
-            <a:endParaRPr/>
-          </a:p>
-          <a:p>
-            <a:pPr indent="0" lvl="0" marL="0" rtl="0" algn="l">
-              <a:spcBef>
-                <a:spcPts val="1200"/>
-              </a:spcBef>
-              <a:spcAft>
-                <a:spcPts val="0"/>
-              </a:spcAft>
-              <a:buNone/>
-            </a:pPr>
-            <a:r>
-              <a:t/>
-            </a:r>
-            <a:endParaRPr/>
-          </a:p>
-          <a:p>
-            <a:pPr indent="0" lvl="0" marL="0" rtl="0" algn="l">
-              <a:spcBef>
-                <a:spcPts val="1200"/>
-              </a:spcBef>
-              <a:spcAft>
-                <a:spcPts val="1200"/>
-              </a:spcAft>
-              <a:buNone/>
-            </a:pPr>
-            <a:r>
-              <a:t/>
-            </a:r>
-            <a:endParaRPr/>
+            <a:endParaRPr sz="1500"/>
           </a:p>
         </p:txBody>
       </p:sp>
+      <p:pic>
+        <p:nvPicPr>
+          <p:cNvPr id="145" name="Google Shape;145;p27"/>
+          <p:cNvPicPr preferRelativeResize="0"/>
+          <p:nvPr/>
+        </p:nvPicPr>
+        <p:blipFill>
+          <a:blip r:embed="rId3">
+            <a:alphaModFix/>
+          </a:blip>
+          <a:stretch>
+            <a:fillRect/>
+          </a:stretch>
+        </p:blipFill>
+        <p:spPr>
+          <a:xfrm>
+            <a:off x="3272100" y="152400"/>
+            <a:ext cx="5719501" cy="4335632"/>
+          </a:xfrm>
+          <a:prstGeom prst="rect">
+            <a:avLst/>
+          </a:prstGeom>
+          <a:noFill/>
+          <a:ln>
+            <a:noFill/>
+          </a:ln>
+        </p:spPr>
+      </p:pic>
     </p:spTree>
   </p:cSld>
   <p:clrMapOvr>
@@ -8186,7 +8269,7 @@
   <p:cSld>
     <p:spTree>
       <p:nvGrpSpPr>
-        <p:cNvPr id="148" name="Shape 148"/>
+        <p:cNvPr id="149" name="Shape 149"/>
         <p:cNvGrpSpPr/>
         <p:nvPr/>
       </p:nvGrpSpPr>
@@ -8200,7 +8283,7 @@
       </p:grpSpPr>
       <p:sp>
         <p:nvSpPr>
-          <p:cNvPr id="149" name="Google Shape;149;p28"/>
+          <p:cNvPr id="150" name="Google Shape;150;p28"/>
           <p:cNvSpPr txBox="1"/>
           <p:nvPr>
             <p:ph type="title"/>
@@ -8232,7 +8315,7 @@
             </a:pPr>
             <a:r>
               <a:rPr lang="en"/>
-              <a:t>Conclusions (cont.)</a:t>
+              <a:t>Conclusions</a:t>
             </a:r>
             <a:endParaRPr/>
           </a:p>
@@ -8240,7 +8323,7 @@
       </p:sp>
       <p:sp>
         <p:nvSpPr>
-          <p:cNvPr id="150" name="Google Shape;150;p28"/>
+          <p:cNvPr id="151" name="Google Shape;151;p28"/>
           <p:cNvSpPr txBox="1"/>
           <p:nvPr>
             <p:ph idx="1" type="body"/>
@@ -8257,7 +8340,7 @@
         </p:spPr>
         <p:txBody>
           <a:bodyPr anchorCtr="0" anchor="t" bIns="91425" lIns="91425" spcFirstLastPara="1" rIns="91425" wrap="square" tIns="91425">
-            <a:normAutofit/>
+            <a:normAutofit lnSpcReduction="10000"/>
           </a:bodyPr>
           <a:lstStyle/>
           <a:p>
@@ -8272,7 +8355,7 @@
             </a:pPr>
             <a:r>
               <a:rPr lang="en"/>
-              <a:t>Other external factors can influence housing prices:</a:t>
+              <a:t>Most important features</a:t>
             </a:r>
             <a:endParaRPr/>
           </a:p>
@@ -8292,7 +8375,7 @@
             </a:pPr>
             <a:r>
               <a:rPr lang="en"/>
-              <a:t>Geography</a:t>
+              <a:t>Overall quality</a:t>
             </a:r>
             <a:endParaRPr/>
           </a:p>
@@ -8312,7 +8395,7 @@
             </a:pPr>
             <a:r>
               <a:rPr lang="en"/>
-              <a:t>Population</a:t>
+              <a:t>Living area</a:t>
             </a:r>
             <a:endParaRPr/>
           </a:p>
@@ -8332,7 +8415,7 @@
             </a:pPr>
             <a:r>
               <a:rPr lang="en"/>
-              <a:t>Crime rates</a:t>
+              <a:t>Exterior quality</a:t>
             </a:r>
             <a:endParaRPr/>
           </a:p>
@@ -8352,7 +8435,57 @@
             </a:pPr>
             <a:r>
               <a:rPr lang="en"/>
-              <a:t>Proximity to schools</a:t>
+              <a:t>Kitchen</a:t>
+            </a:r>
+            <a:endParaRPr/>
+          </a:p>
+          <a:p>
+            <a:pPr indent="-342900" lvl="0" marL="457200" rtl="0" algn="l">
+              <a:lnSpc>
+                <a:spcPct val="150000"/>
+              </a:lnSpc>
+              <a:spcBef>
+                <a:spcPts val="0"/>
+              </a:spcBef>
+              <a:spcAft>
+                <a:spcPts val="0"/>
+              </a:spcAft>
+              <a:buSzPts val="1800"/>
+              <a:buChar char="●"/>
+            </a:pPr>
+            <a:r>
+              <a:rPr lang="en"/>
+              <a:t>Garage area</a:t>
+            </a:r>
+            <a:endParaRPr/>
+          </a:p>
+          <a:p>
+            <a:pPr indent="0" lvl="0" marL="0" rtl="0" algn="l">
+              <a:spcBef>
+                <a:spcPts val="1200"/>
+              </a:spcBef>
+              <a:spcAft>
+                <a:spcPts val="0"/>
+              </a:spcAft>
+              <a:buNone/>
+            </a:pPr>
+            <a:r>
+              <a:t/>
+            </a:r>
+            <a:endParaRPr/>
+          </a:p>
+          <a:p>
+            <a:pPr indent="0" lvl="0" marL="0" rtl="0" algn="l">
+              <a:spcBef>
+                <a:spcPts val="1200"/>
+              </a:spcBef>
+              <a:spcAft>
+                <a:spcPts val="1200"/>
+              </a:spcAft>
+              <a:buNone/>
+            </a:pPr>
+            <a:r>
+              <a:t/>
             </a:r>
             <a:endParaRPr/>
           </a:p>
@@ -8371,7 +8504,7 @@
   <p:cSld>
     <p:spTree>
       <p:nvGrpSpPr>
-        <p:cNvPr id="154" name="Shape 154"/>
+        <p:cNvPr id="155" name="Shape 155"/>
         <p:cNvGrpSpPr/>
         <p:nvPr/>
       </p:nvGrpSpPr>
@@ -8385,7 +8518,7 @@
       </p:grpSpPr>
       <p:sp>
         <p:nvSpPr>
-          <p:cNvPr id="155" name="Google Shape;155;p29"/>
+          <p:cNvPr id="156" name="Google Shape;156;p29"/>
           <p:cNvSpPr txBox="1"/>
           <p:nvPr>
             <p:ph type="title"/>
@@ -8417,7 +8550,7 @@
             </a:pPr>
             <a:r>
               <a:rPr lang="en"/>
-              <a:t>Future Recommendations</a:t>
+              <a:t>Conclusions (cont.)</a:t>
             </a:r>
             <a:endParaRPr/>
           </a:p>
@@ -8425,7 +8558,192 @@
       </p:sp>
       <p:sp>
         <p:nvSpPr>
-          <p:cNvPr id="156" name="Google Shape;156;p29"/>
+          <p:cNvPr id="157" name="Google Shape;157;p29"/>
+          <p:cNvSpPr txBox="1"/>
+          <p:nvPr>
+            <p:ph idx="1" type="body"/>
+          </p:nvPr>
+        </p:nvSpPr>
+        <p:spPr>
+          <a:xfrm>
+            <a:off x="311700" y="1152475"/>
+            <a:ext cx="8520600" cy="3416400"/>
+          </a:xfrm>
+          <a:prstGeom prst="rect">
+            <a:avLst/>
+          </a:prstGeom>
+        </p:spPr>
+        <p:txBody>
+          <a:bodyPr anchorCtr="0" anchor="t" bIns="91425" lIns="91425" spcFirstLastPara="1" rIns="91425" wrap="square" tIns="91425">
+            <a:normAutofit/>
+          </a:bodyPr>
+          <a:lstStyle/>
+          <a:p>
+            <a:pPr indent="0" lvl="0" marL="0" rtl="0" algn="l">
+              <a:spcBef>
+                <a:spcPts val="0"/>
+              </a:spcBef>
+              <a:spcAft>
+                <a:spcPts val="0"/>
+              </a:spcAft>
+              <a:buNone/>
+            </a:pPr>
+            <a:r>
+              <a:rPr lang="en"/>
+              <a:t>Other external factors can influence housing prices:</a:t>
+            </a:r>
+            <a:endParaRPr/>
+          </a:p>
+          <a:p>
+            <a:pPr indent="-342900" lvl="0" marL="457200" rtl="0" algn="l">
+              <a:lnSpc>
+                <a:spcPct val="150000"/>
+              </a:lnSpc>
+              <a:spcBef>
+                <a:spcPts val="1200"/>
+              </a:spcBef>
+              <a:spcAft>
+                <a:spcPts val="0"/>
+              </a:spcAft>
+              <a:buSzPts val="1800"/>
+              <a:buChar char="●"/>
+            </a:pPr>
+            <a:r>
+              <a:rPr lang="en"/>
+              <a:t>Geography</a:t>
+            </a:r>
+            <a:endParaRPr/>
+          </a:p>
+          <a:p>
+            <a:pPr indent="-342900" lvl="0" marL="457200" rtl="0" algn="l">
+              <a:lnSpc>
+                <a:spcPct val="150000"/>
+              </a:lnSpc>
+              <a:spcBef>
+                <a:spcPts val="0"/>
+              </a:spcBef>
+              <a:spcAft>
+                <a:spcPts val="0"/>
+              </a:spcAft>
+              <a:buSzPts val="1800"/>
+              <a:buChar char="●"/>
+            </a:pPr>
+            <a:r>
+              <a:rPr lang="en"/>
+              <a:t>Population</a:t>
+            </a:r>
+            <a:endParaRPr/>
+          </a:p>
+          <a:p>
+            <a:pPr indent="-342900" lvl="0" marL="457200" rtl="0" algn="l">
+              <a:lnSpc>
+                <a:spcPct val="150000"/>
+              </a:lnSpc>
+              <a:spcBef>
+                <a:spcPts val="0"/>
+              </a:spcBef>
+              <a:spcAft>
+                <a:spcPts val="0"/>
+              </a:spcAft>
+              <a:buSzPts val="1800"/>
+              <a:buChar char="●"/>
+            </a:pPr>
+            <a:r>
+              <a:rPr lang="en"/>
+              <a:t>Crime rates</a:t>
+            </a:r>
+            <a:endParaRPr/>
+          </a:p>
+          <a:p>
+            <a:pPr indent="-342900" lvl="0" marL="457200" rtl="0" algn="l">
+              <a:lnSpc>
+                <a:spcPct val="150000"/>
+              </a:lnSpc>
+              <a:spcBef>
+                <a:spcPts val="0"/>
+              </a:spcBef>
+              <a:spcAft>
+                <a:spcPts val="0"/>
+              </a:spcAft>
+              <a:buSzPts val="1800"/>
+              <a:buChar char="●"/>
+            </a:pPr>
+            <a:r>
+              <a:rPr lang="en"/>
+              <a:t>Proximity to schools</a:t>
+            </a:r>
+            <a:endParaRPr/>
+          </a:p>
+        </p:txBody>
+      </p:sp>
+    </p:spTree>
+  </p:cSld>
+  <p:clrMapOvr>
+    <a:masterClrMapping/>
+  </p:clrMapOvr>
+</p:sld>
+</file>
+
+<file path=ppt/slides/slide18.xml><?xml version="1.0" encoding="utf-8"?>
+<p:sld xmlns:a="http://schemas.openxmlformats.org/drawingml/2006/main" xmlns:r="http://schemas.openxmlformats.org/officeDocument/2006/relationships" xmlns:mc="http://schemas.openxmlformats.org/markup-compatibility/2006" xmlns:mv="urn:schemas-microsoft-com:mac:vml" xmlns:p="http://schemas.openxmlformats.org/presentationml/2006/main" xmlns:c="http://schemas.openxmlformats.org/drawingml/2006/chart" xmlns:dgm="http://schemas.openxmlformats.org/drawingml/2006/diagram" xmlns:o="urn:schemas-microsoft-com:office:office" xmlns:v="urn:schemas-microsoft-com:vml" xmlns:pvml="urn:schemas-microsoft-com:office:powerpoint" xmlns:com="http://schemas.openxmlformats.org/drawingml/2006/compatibility" xmlns:p14="http://schemas.microsoft.com/office/powerpoint/2010/main" xmlns:p15="http://schemas.microsoft.com/office/powerpoint/2012/main" xmlns:ahyp="http://schemas.microsoft.com/office/drawing/2018/hyperlinkcolor">
+  <p:cSld>
+    <p:spTree>
+      <p:nvGrpSpPr>
+        <p:cNvPr id="161" name="Shape 161"/>
+        <p:cNvGrpSpPr/>
+        <p:nvPr/>
+      </p:nvGrpSpPr>
+      <p:grpSpPr>
+        <a:xfrm>
+          <a:off x="0" y="0"/>
+          <a:ext cx="0" cy="0"/>
+          <a:chOff x="0" y="0"/>
+          <a:chExt cx="0" cy="0"/>
+        </a:xfrm>
+      </p:grpSpPr>
+      <p:sp>
+        <p:nvSpPr>
+          <p:cNvPr id="162" name="Google Shape;162;p30"/>
+          <p:cNvSpPr txBox="1"/>
+          <p:nvPr>
+            <p:ph type="title"/>
+          </p:nvPr>
+        </p:nvSpPr>
+        <p:spPr>
+          <a:xfrm>
+            <a:off x="311700" y="445025"/>
+            <a:ext cx="8520600" cy="572700"/>
+          </a:xfrm>
+          <a:prstGeom prst="rect">
+            <a:avLst/>
+          </a:prstGeom>
+        </p:spPr>
+        <p:txBody>
+          <a:bodyPr anchorCtr="0" anchor="t" bIns="91425" lIns="91425" spcFirstLastPara="1" rIns="91425" wrap="square" tIns="91425">
+            <a:normAutofit fontScale="90000"/>
+          </a:bodyPr>
+          <a:lstStyle/>
+          <a:p>
+            <a:pPr indent="0" lvl="0" marL="0" rtl="0" algn="l">
+              <a:spcBef>
+                <a:spcPts val="0"/>
+              </a:spcBef>
+              <a:spcAft>
+                <a:spcPts val="0"/>
+              </a:spcAft>
+              <a:buNone/>
+            </a:pPr>
+            <a:r>
+              <a:rPr lang="en"/>
+              <a:t>Future Recommendations</a:t>
+            </a:r>
+            <a:endParaRPr/>
+          </a:p>
+        </p:txBody>
+      </p:sp>
+      <p:sp>
+        <p:nvSpPr>
+          <p:cNvPr id="163" name="Google Shape;163;p30"/>
           <p:cNvSpPr txBox="1"/>
           <p:nvPr>
             <p:ph idx="1" type="body"/>
@@ -8628,7 +8946,7 @@
                   <a:srgbClr val="FFFFFF"/>
                 </a:highlight>
               </a:rPr>
-              <a:t>Greater happiness and prosperity levels</a:t>
+              <a:t>Happiness and prosperity</a:t>
             </a:r>
             <a:endParaRPr sz="2000">
               <a:solidFill>
@@ -8662,7 +8980,7 @@
                   <a:srgbClr val="FFFFFF"/>
                 </a:highlight>
               </a:rPr>
-              <a:t>Higher civic participation rates</a:t>
+              <a:t>Civic participation</a:t>
             </a:r>
             <a:endParaRPr sz="2000">
               <a:solidFill>
@@ -8696,7 +9014,7 @@
                   <a:srgbClr val="FFFFFF"/>
                 </a:highlight>
               </a:rPr>
-              <a:t>Better education outcomes.</a:t>
+              <a:t>Education</a:t>
             </a:r>
             <a:endParaRPr sz="2000">
               <a:solidFill>
@@ -8980,7 +9298,7 @@
                   <a:srgbClr val="000000"/>
                 </a:solidFill>
               </a:rPr>
-              <a:t>Can see how much house they’d get for their money</a:t>
+              <a:t>How much house they’d get for their money</a:t>
             </a:r>
             <a:endParaRPr>
               <a:solidFill>
@@ -9008,7 +9326,7 @@
                   <a:srgbClr val="000000"/>
                 </a:solidFill>
               </a:rPr>
-              <a:t>More informed decisions about purchasing a house</a:t>
+              <a:t>More informed decisions</a:t>
             </a:r>
             <a:endParaRPr>
               <a:solidFill>
@@ -9060,7 +9378,7 @@
                   <a:srgbClr val="000000"/>
                 </a:solidFill>
               </a:rPr>
-              <a:t>Homeownership rates associated with greater stability</a:t>
+              <a:t>Greater stability</a:t>
             </a:r>
             <a:endParaRPr>
               <a:solidFill>
@@ -9112,7 +9430,7 @@
                   <a:srgbClr val="000000"/>
                 </a:solidFill>
               </a:rPr>
-              <a:t>Come up with policies that improve housing affordability</a:t>
+              <a:t>Policies that improve housing affordability</a:t>
             </a:r>
             <a:endParaRPr>
               <a:solidFill>
@@ -10152,7 +10470,7 @@
         </p:spPr>
         <p:txBody>
           <a:bodyPr anchorCtr="0" anchor="b" bIns="91425" lIns="91425" spcFirstLastPara="1" rIns="91425" wrap="square" tIns="91425">
-            <a:normAutofit/>
+            <a:normAutofit fontScale="90000"/>
           </a:bodyPr>
           <a:lstStyle/>
           <a:p>
@@ -10163,11 +10481,16 @@
               <a:spcAft>
                 <a:spcPts val="0"/>
               </a:spcAft>
-              <a:buNone/>
-            </a:pPr>
-            <a:r>
-              <a:rPr lang="en"/>
-              <a:t>Feature Selection</a:t>
+              <a:buClr>
+                <a:schemeClr val="dk1"/>
+              </a:buClr>
+              <a:buSzPct val="39285"/>
+              <a:buFont typeface="Arial"/>
+              <a:buNone/>
+            </a:pPr>
+            <a:r>
+              <a:rPr lang="en" sz="2800"/>
+              <a:t>Exploratory Data Analysis</a:t>
             </a:r>
             <a:endParaRPr/>
           </a:p>
@@ -10201,100 +10524,15 @@
                 <a:spcPts val="0"/>
               </a:spcBef>
               <a:spcAft>
-                <a:spcPts val="0"/>
-              </a:spcAft>
-              <a:buNone/>
-            </a:pPr>
-            <a:r>
-              <a:rPr lang="en" sz="1500"/>
-              <a:t>Strongest features:</a:t>
-            </a:r>
-            <a:endParaRPr sz="1500"/>
-          </a:p>
-          <a:p>
-            <a:pPr indent="-323850" lvl="0" marL="457200" rtl="0" algn="l">
-              <a:spcBef>
                 <a:spcPts val="1200"/>
-              </a:spcBef>
-              <a:spcAft>
-                <a:spcPts val="0"/>
-              </a:spcAft>
-              <a:buSzPts val="1500"/>
-              <a:buChar char="●"/>
-            </a:pPr>
-            <a:r>
-              <a:rPr lang="en" sz="1500"/>
-              <a:t>Overall quality</a:t>
-            </a:r>
-            <a:endParaRPr sz="1500"/>
-          </a:p>
-          <a:p>
-            <a:pPr indent="-323850" lvl="0" marL="457200" rtl="0" algn="l">
-              <a:spcBef>
-                <a:spcPts val="0"/>
-              </a:spcBef>
-              <a:spcAft>
-                <a:spcPts val="0"/>
-              </a:spcAft>
-              <a:buSzPts val="1500"/>
-              <a:buChar char="●"/>
-            </a:pPr>
-            <a:r>
-              <a:rPr lang="en" sz="1500"/>
-              <a:t>Living area</a:t>
-            </a:r>
-            <a:endParaRPr sz="1500"/>
-          </a:p>
-          <a:p>
-            <a:pPr indent="-323850" lvl="0" marL="457200" rtl="0" algn="l">
-              <a:spcBef>
-                <a:spcPts val="0"/>
-              </a:spcBef>
-              <a:spcAft>
-                <a:spcPts val="0"/>
-              </a:spcAft>
-              <a:buSzPts val="1500"/>
-              <a:buChar char="●"/>
-            </a:pPr>
-            <a:r>
-              <a:rPr lang="en" sz="1500"/>
-              <a:t>External quality</a:t>
-            </a:r>
-            <a:endParaRPr sz="1500"/>
-          </a:p>
-          <a:p>
-            <a:pPr indent="-323850" lvl="0" marL="457200" rtl="0" algn="l">
-              <a:spcBef>
-                <a:spcPts val="0"/>
-              </a:spcBef>
-              <a:spcAft>
-                <a:spcPts val="0"/>
-              </a:spcAft>
-              <a:buSzPts val="1500"/>
-              <a:buChar char="●"/>
-            </a:pPr>
-            <a:r>
-              <a:rPr lang="en" sz="1500"/>
-              <a:t>Kitchen</a:t>
-            </a:r>
-            <a:endParaRPr sz="1500"/>
-          </a:p>
-          <a:p>
-            <a:pPr indent="-323850" lvl="0" marL="457200" rtl="0" algn="l">
-              <a:spcBef>
-                <a:spcPts val="0"/>
-              </a:spcBef>
-              <a:spcAft>
-                <a:spcPts val="0"/>
-              </a:spcAft>
-              <a:buSzPts val="1500"/>
-              <a:buChar char="●"/>
-            </a:pPr>
-            <a:r>
-              <a:rPr lang="en" sz="1500"/>
-              <a:t>Garage area</a:t>
-            </a:r>
-            <a:endParaRPr sz="1500"/>
+              </a:spcAft>
+              <a:buNone/>
+            </a:pPr>
+            <a:r>
+              <a:rPr lang="en"/>
+              <a:t>From the correlation heat map, the variables with the most positive correlations are overall quality, kitchen, number of cars that can fit in the garage, and garage area. The variable negatively correlated the most with sale price is the age of the house.</a:t>
+            </a:r>
+            <a:endParaRPr/>
           </a:p>
         </p:txBody>
       </p:sp>
@@ -10315,7 +10553,7 @@
         <p:spPr>
           <a:xfrm>
             <a:off x="3272100" y="152400"/>
-            <a:ext cx="5719501" cy="4335632"/>
+            <a:ext cx="5495434" cy="4838699"/>
           </a:xfrm>
           <a:prstGeom prst="rect">
             <a:avLst/>

--- a/Capstone 2/Capstone Presentation.pptx
+++ b/Capstone 2/Capstone Presentation.pptx
@@ -10573,6 +10573,285 @@
 </file>
 
 <file path=ppt/theme/theme1.xml><?xml version="1.0" encoding="utf-8"?>
+<a:theme xmlns:a="http://schemas.openxmlformats.org/drawingml/2006/main" xmlns:r="http://schemas.openxmlformats.org/officeDocument/2006/relationships">
+  <a:themeElements>
+    <a:clrScheme name="Default">
+      <a:dk1>
+        <a:srgbClr val="000000"/>
+      </a:dk1>
+      <a:lt1>
+        <a:srgbClr val="FFFFFF"/>
+      </a:lt1>
+      <a:dk2>
+        <a:srgbClr val="158158"/>
+      </a:dk2>
+      <a:lt2>
+        <a:srgbClr val="F3F3F3"/>
+      </a:lt2>
+      <a:accent1>
+        <a:srgbClr val="058DC7"/>
+      </a:accent1>
+      <a:accent2>
+        <a:srgbClr val="50B432"/>
+      </a:accent2>
+      <a:accent3>
+        <a:srgbClr val="ED561B"/>
+      </a:accent3>
+      <a:accent4>
+        <a:srgbClr val="EDEF00"/>
+      </a:accent4>
+      <a:accent5>
+        <a:srgbClr val="24CBE5"/>
+      </a:accent5>
+      <a:accent6>
+        <a:srgbClr val="64E572"/>
+      </a:accent6>
+      <a:hlink>
+        <a:srgbClr val="2200CC"/>
+      </a:hlink>
+      <a:folHlink>
+        <a:srgbClr val="551A8B"/>
+      </a:folHlink>
+    </a:clrScheme>
+    <a:fontScheme name="Office">
+      <a:majorFont>
+        <a:latin typeface="Arial"/>
+        <a:ea typeface=""/>
+        <a:cs typeface=""/>
+        <a:font script="Jpan" typeface="ＭＳ Ｐゴシック"/>
+        <a:font script="Hang" typeface="맑은 고딕"/>
+        <a:font script="Hans" typeface="宋体"/>
+        <a:font script="Hant" typeface="新細明體"/>
+        <a:font script="Arab" typeface="Times New Roman"/>
+        <a:font script="Hebr" typeface="Times New Roman"/>
+        <a:font script="Thai" typeface="Angsana New"/>
+        <a:font script="Ethi" typeface="Nyala"/>
+        <a:font script="Beng" typeface="Vrinda"/>
+        <a:font script="Gujr" typeface="Shruti"/>
+        <a:font script="Khmr" typeface="MoolBoran"/>
+        <a:font script="Knda" typeface="Tunga"/>
+        <a:font script="Guru" typeface="Raavi"/>
+        <a:font script="Cans" typeface="Euphemia"/>
+        <a:font script="Cher" typeface="Plantagenet Cherokee"/>
+        <a:font script="Yiii" typeface="Microsoft Yi Baiti"/>
+        <a:font script="Tibt" typeface="Microsoft Himalaya"/>
+        <a:font script="Thaa" typeface="MV Boli"/>
+        <a:font script="Deva" typeface="Mangal"/>
+        <a:font script="Telu" typeface="Gautami"/>
+        <a:font script="Taml" typeface="Latha"/>
+        <a:font script="Syrc" typeface="Estrangelo Edessa"/>
+        <a:font script="Orya" typeface="Kalinga"/>
+        <a:font script="Mlym" typeface="Kartika"/>
+        <a:font script="Laoo" typeface="DokChampa"/>
+        <a:font script="Sinh" typeface="Iskoola Pota"/>
+        <a:font script="Mong" typeface="Mongolian Baiti"/>
+        <a:font script="Viet" typeface="Times New Roman"/>
+        <a:font script="Uigh" typeface="Microsoft Uighur"/>
+        <a:font script="Geor" typeface="Sylfaen"/>
+      </a:majorFont>
+      <a:minorFont>
+        <a:latin typeface="Arial"/>
+        <a:ea typeface=""/>
+        <a:cs typeface=""/>
+        <a:font script="Jpan" typeface="ＭＳ Ｐゴシック"/>
+        <a:font script="Hang" typeface="맑은 고딕"/>
+        <a:font script="Hans" typeface="宋体"/>
+        <a:font script="Hant" typeface="新細明體"/>
+        <a:font script="Arab" typeface="Arial"/>
+        <a:font script="Hebr" typeface="Arial"/>
+        <a:font script="Thai" typeface="Cordia New"/>
+        <a:font script="Ethi" typeface="Nyala"/>
+        <a:font script="Beng" typeface="Vrinda"/>
+        <a:font script="Gujr" typeface="Shruti"/>
+        <a:font script="Khmr" typeface="DaunPenh"/>
+        <a:font script="Knda" typeface="Tunga"/>
+        <a:font script="Guru" typeface="Raavi"/>
+        <a:font script="Cans" typeface="Euphemia"/>
+        <a:font script="Cher" typeface="Plantagenet Cherokee"/>
+        <a:font script="Yiii" typeface="Microsoft Yi Baiti"/>
+        <a:font script="Tibt" typeface="Microsoft Himalaya"/>
+        <a:font script="Thaa" typeface="MV Boli"/>
+        <a:font script="Deva" typeface="Mangal"/>
+        <a:font script="Telu" typeface="Gautami"/>
+        <a:font script="Taml" typeface="Latha"/>
+        <a:font script="Syrc" typeface="Estrangelo Edessa"/>
+        <a:font script="Orya" typeface="Kalinga"/>
+        <a:font script="Mlym" typeface="Kartika"/>
+        <a:font script="Laoo" typeface="DokChampa"/>
+        <a:font script="Sinh" typeface="Iskoola Pota"/>
+        <a:font script="Mong" typeface="Mongolian Baiti"/>
+        <a:font script="Viet" typeface="Arial"/>
+        <a:font script="Uigh" typeface="Microsoft Uighur"/>
+        <a:font script="Geor" typeface="Sylfaen"/>
+      </a:minorFont>
+    </a:fontScheme>
+    <a:fmtScheme name="Office">
+      <a:fillStyleLst>
+        <a:solidFill>
+          <a:schemeClr val="phClr"/>
+        </a:solidFill>
+        <a:gradFill rotWithShape="1">
+          <a:gsLst>
+            <a:gs pos="0">
+              <a:schemeClr val="phClr">
+                <a:tint val="50000"/>
+                <a:satMod val="300000"/>
+              </a:schemeClr>
+            </a:gs>
+            <a:gs pos="35000">
+              <a:schemeClr val="phClr">
+                <a:tint val="37000"/>
+                <a:satMod val="300000"/>
+              </a:schemeClr>
+            </a:gs>
+            <a:gs pos="100000">
+              <a:schemeClr val="phClr">
+                <a:tint val="15000"/>
+                <a:satMod val="350000"/>
+              </a:schemeClr>
+            </a:gs>
+          </a:gsLst>
+          <a:lin ang="16200000" scaled="1"/>
+        </a:gradFill>
+        <a:gradFill rotWithShape="1">
+          <a:gsLst>
+            <a:gs pos="0">
+              <a:schemeClr val="phClr">
+                <a:tint val="100000"/>
+                <a:shade val="100000"/>
+                <a:satMod val="130000"/>
+              </a:schemeClr>
+            </a:gs>
+            <a:gs pos="100000">
+              <a:schemeClr val="phClr">
+                <a:tint val="50000"/>
+                <a:shade val="100000"/>
+                <a:satMod val="350000"/>
+              </a:schemeClr>
+            </a:gs>
+          </a:gsLst>
+          <a:lin ang="16200000" scaled="0"/>
+        </a:gradFill>
+      </a:fillStyleLst>
+      <a:lnStyleLst>
+        <a:ln w="9525" cap="flat" cmpd="sng" algn="ctr">
+          <a:solidFill>
+            <a:schemeClr val="phClr">
+              <a:shade val="95000"/>
+              <a:satMod val="105000"/>
+            </a:schemeClr>
+          </a:solidFill>
+          <a:prstDash val="solid"/>
+        </a:ln>
+        <a:ln w="25400" cap="flat" cmpd="sng" algn="ctr">
+          <a:solidFill>
+            <a:schemeClr val="phClr"/>
+          </a:solidFill>
+          <a:prstDash val="solid"/>
+        </a:ln>
+        <a:ln w="38100" cap="flat" cmpd="sng" algn="ctr">
+          <a:solidFill>
+            <a:schemeClr val="phClr"/>
+          </a:solidFill>
+          <a:prstDash val="solid"/>
+        </a:ln>
+      </a:lnStyleLst>
+      <a:effectStyleLst>
+        <a:effectStyle>
+          <a:effectLst>
+            <a:outerShdw blurRad="40000" dist="20000" dir="5400000" rotWithShape="0">
+              <a:srgbClr val="000000">
+                <a:alpha val="38000"/>
+              </a:srgbClr>
+            </a:outerShdw>
+          </a:effectLst>
+        </a:effectStyle>
+        <a:effectStyle>
+          <a:effectLst>
+            <a:outerShdw blurRad="40000" dist="23000" dir="5400000" rotWithShape="0">
+              <a:srgbClr val="000000">
+                <a:alpha val="35000"/>
+              </a:srgbClr>
+            </a:outerShdw>
+          </a:effectLst>
+        </a:effectStyle>
+        <a:effectStyle>
+          <a:effectLst>
+            <a:outerShdw blurRad="40000" dist="23000" dir="5400000" rotWithShape="0">
+              <a:srgbClr val="000000">
+                <a:alpha val="35000"/>
+              </a:srgbClr>
+            </a:outerShdw>
+          </a:effectLst>
+          <a:scene3d>
+            <a:camera prst="orthographicFront">
+              <a:rot lat="0" lon="0" rev="0"/>
+            </a:camera>
+            <a:lightRig rig="threePt" dir="t">
+              <a:rot lat="0" lon="0" rev="1200000"/>
+            </a:lightRig>
+          </a:scene3d>
+          <a:sp3d>
+            <a:bevelT w="63500" h="25400"/>
+          </a:sp3d>
+        </a:effectStyle>
+      </a:effectStyleLst>
+      <a:bgFillStyleLst>
+        <a:solidFill>
+          <a:schemeClr val="phClr"/>
+        </a:solidFill>
+        <a:gradFill rotWithShape="1">
+          <a:gsLst>
+            <a:gs pos="0">
+              <a:schemeClr val="phClr">
+                <a:tint val="40000"/>
+                <a:satMod val="350000"/>
+              </a:schemeClr>
+            </a:gs>
+            <a:gs pos="40000">
+              <a:schemeClr val="phClr">
+                <a:tint val="45000"/>
+                <a:shade val="99000"/>
+                <a:satMod val="350000"/>
+              </a:schemeClr>
+            </a:gs>
+            <a:gs pos="100000">
+              <a:schemeClr val="phClr">
+                <a:shade val="20000"/>
+                <a:satMod val="255000"/>
+              </a:schemeClr>
+            </a:gs>
+          </a:gsLst>
+          <a:path path="circle">
+            <a:fillToRect l="50000" t="-80000" r="50000" b="180000"/>
+          </a:path>
+        </a:gradFill>
+        <a:gradFill rotWithShape="1">
+          <a:gsLst>
+            <a:gs pos="0">
+              <a:schemeClr val="phClr">
+                <a:tint val="80000"/>
+                <a:satMod val="300000"/>
+              </a:schemeClr>
+            </a:gs>
+            <a:gs pos="100000">
+              <a:schemeClr val="phClr">
+                <a:shade val="30000"/>
+                <a:satMod val="200000"/>
+              </a:schemeClr>
+            </a:gs>
+          </a:gsLst>
+          <a:path path="circle">
+            <a:fillToRect l="50000" t="50000" r="50000" b="50000"/>
+          </a:path>
+        </a:gradFill>
+      </a:bgFillStyleLst>
+    </a:fmtScheme>
+  </a:themeElements>
+</a:theme>
+</file>
+
+<file path=ppt/theme/theme2.xml><?xml version="1.0" encoding="utf-8"?>
 <a:theme xmlns:a="http://schemas.openxmlformats.org/drawingml/2006/main" xmlns:r="http://schemas.openxmlformats.org/officeDocument/2006/relationships" name="Simple Light">
   <a:themeElements>
     <a:clrScheme name="Simple Light">
@@ -10849,283 +11128,4 @@
     </a:fmtScheme>
   </a:themeElements>
 </a:theme>
-</file>
-
-<file path=ppt/theme/theme2.xml><?xml version="1.0" encoding="utf-8"?>
-<a:theme xmlns:a="http://schemas.openxmlformats.org/drawingml/2006/main" xmlns:r="http://schemas.openxmlformats.org/officeDocument/2006/relationships">
-  <a:themeElements>
-    <a:clrScheme name="Default">
-      <a:dk1>
-        <a:srgbClr val="000000"/>
-      </a:dk1>
-      <a:lt1>
-        <a:srgbClr val="FFFFFF"/>
-      </a:lt1>
-      <a:dk2>
-        <a:srgbClr val="158158"/>
-      </a:dk2>
-      <a:lt2>
-        <a:srgbClr val="F3F3F3"/>
-      </a:lt2>
-      <a:accent1>
-        <a:srgbClr val="058DC7"/>
-      </a:accent1>
-      <a:accent2>
-        <a:srgbClr val="50B432"/>
-      </a:accent2>
-      <a:accent3>
-        <a:srgbClr val="ED561B"/>
-      </a:accent3>
-      <a:accent4>
-        <a:srgbClr val="EDEF00"/>
-      </a:accent4>
-      <a:accent5>
-        <a:srgbClr val="24CBE5"/>
-      </a:accent5>
-      <a:accent6>
-        <a:srgbClr val="64E572"/>
-      </a:accent6>
-      <a:hlink>
-        <a:srgbClr val="2200CC"/>
-      </a:hlink>
-      <a:folHlink>
-        <a:srgbClr val="551A8B"/>
-      </a:folHlink>
-    </a:clrScheme>
-    <a:fontScheme name="Office">
-      <a:majorFont>
-        <a:latin typeface="Arial"/>
-        <a:ea typeface=""/>
-        <a:cs typeface=""/>
-        <a:font script="Jpan" typeface="ＭＳ Ｐゴシック"/>
-        <a:font script="Hang" typeface="맑은 고딕"/>
-        <a:font script="Hans" typeface="宋体"/>
-        <a:font script="Hant" typeface="新細明體"/>
-        <a:font script="Arab" typeface="Times New Roman"/>
-        <a:font script="Hebr" typeface="Times New Roman"/>
-        <a:font script="Thai" typeface="Angsana New"/>
-        <a:font script="Ethi" typeface="Nyala"/>
-        <a:font script="Beng" typeface="Vrinda"/>
-        <a:font script="Gujr" typeface="Shruti"/>
-        <a:font script="Khmr" typeface="MoolBoran"/>
-        <a:font script="Knda" typeface="Tunga"/>
-        <a:font script="Guru" typeface="Raavi"/>
-        <a:font script="Cans" typeface="Euphemia"/>
-        <a:font script="Cher" typeface="Plantagenet Cherokee"/>
-        <a:font script="Yiii" typeface="Microsoft Yi Baiti"/>
-        <a:font script="Tibt" typeface="Microsoft Himalaya"/>
-        <a:font script="Thaa" typeface="MV Boli"/>
-        <a:font script="Deva" typeface="Mangal"/>
-        <a:font script="Telu" typeface="Gautami"/>
-        <a:font script="Taml" typeface="Latha"/>
-        <a:font script="Syrc" typeface="Estrangelo Edessa"/>
-        <a:font script="Orya" typeface="Kalinga"/>
-        <a:font script="Mlym" typeface="Kartika"/>
-        <a:font script="Laoo" typeface="DokChampa"/>
-        <a:font script="Sinh" typeface="Iskoola Pota"/>
-        <a:font script="Mong" typeface="Mongolian Baiti"/>
-        <a:font script="Viet" typeface="Times New Roman"/>
-        <a:font script="Uigh" typeface="Microsoft Uighur"/>
-        <a:font script="Geor" typeface="Sylfaen"/>
-      </a:majorFont>
-      <a:minorFont>
-        <a:latin typeface="Arial"/>
-        <a:ea typeface=""/>
-        <a:cs typeface=""/>
-        <a:font script="Jpan" typeface="ＭＳ Ｐゴシック"/>
-        <a:font script="Hang" typeface="맑은 고딕"/>
-        <a:font script="Hans" typeface="宋体"/>
-        <a:font script="Hant" typeface="新細明體"/>
-        <a:font script="Arab" typeface="Arial"/>
-        <a:font script="Hebr" typeface="Arial"/>
-        <a:font script="Thai" typeface="Cordia New"/>
-        <a:font script="Ethi" typeface="Nyala"/>
-        <a:font script="Beng" typeface="Vrinda"/>
-        <a:font script="Gujr" typeface="Shruti"/>
-        <a:font script="Khmr" typeface="DaunPenh"/>
-        <a:font script="Knda" typeface="Tunga"/>
-        <a:font script="Guru" typeface="Raavi"/>
-        <a:font script="Cans" typeface="Euphemia"/>
-        <a:font script="Cher" typeface="Plantagenet Cherokee"/>
-        <a:font script="Yiii" typeface="Microsoft Yi Baiti"/>
-        <a:font script="Tibt" typeface="Microsoft Himalaya"/>
-        <a:font script="Thaa" typeface="MV Boli"/>
-        <a:font script="Deva" typeface="Mangal"/>
-        <a:font script="Telu" typeface="Gautami"/>
-        <a:font script="Taml" typeface="Latha"/>
-        <a:font script="Syrc" typeface="Estrangelo Edessa"/>
-        <a:font script="Orya" typeface="Kalinga"/>
-        <a:font script="Mlym" typeface="Kartika"/>
-        <a:font script="Laoo" typeface="DokChampa"/>
-        <a:font script="Sinh" typeface="Iskoola Pota"/>
-        <a:font script="Mong" typeface="Mongolian Baiti"/>
-        <a:font script="Viet" typeface="Arial"/>
-        <a:font script="Uigh" typeface="Microsoft Uighur"/>
-        <a:font script="Geor" typeface="Sylfaen"/>
-      </a:minorFont>
-    </a:fontScheme>
-    <a:fmtScheme name="Office">
-      <a:fillStyleLst>
-        <a:solidFill>
-          <a:schemeClr val="phClr"/>
-        </a:solidFill>
-        <a:gradFill rotWithShape="1">
-          <a:gsLst>
-            <a:gs pos="0">
-              <a:schemeClr val="phClr">
-                <a:tint val="50000"/>
-                <a:satMod val="300000"/>
-              </a:schemeClr>
-            </a:gs>
-            <a:gs pos="35000">
-              <a:schemeClr val="phClr">
-                <a:tint val="37000"/>
-                <a:satMod val="300000"/>
-              </a:schemeClr>
-            </a:gs>
-            <a:gs pos="100000">
-              <a:schemeClr val="phClr">
-                <a:tint val="15000"/>
-                <a:satMod val="350000"/>
-              </a:schemeClr>
-            </a:gs>
-          </a:gsLst>
-          <a:lin ang="16200000" scaled="1"/>
-        </a:gradFill>
-        <a:gradFill rotWithShape="1">
-          <a:gsLst>
-            <a:gs pos="0">
-              <a:schemeClr val="phClr">
-                <a:tint val="100000"/>
-                <a:shade val="100000"/>
-                <a:satMod val="130000"/>
-              </a:schemeClr>
-            </a:gs>
-            <a:gs pos="100000">
-              <a:schemeClr val="phClr">
-                <a:tint val="50000"/>
-                <a:shade val="100000"/>
-                <a:satMod val="350000"/>
-              </a:schemeClr>
-            </a:gs>
-          </a:gsLst>
-          <a:lin ang="16200000" scaled="0"/>
-        </a:gradFill>
-      </a:fillStyleLst>
-      <a:lnStyleLst>
-        <a:ln w="9525" cap="flat" cmpd="sng" algn="ctr">
-          <a:solidFill>
-            <a:schemeClr val="phClr">
-              <a:shade val="95000"/>
-              <a:satMod val="105000"/>
-            </a:schemeClr>
-          </a:solidFill>
-          <a:prstDash val="solid"/>
-        </a:ln>
-        <a:ln w="25400" cap="flat" cmpd="sng" algn="ctr">
-          <a:solidFill>
-            <a:schemeClr val="phClr"/>
-          </a:solidFill>
-          <a:prstDash val="solid"/>
-        </a:ln>
-        <a:ln w="38100" cap="flat" cmpd="sng" algn="ctr">
-          <a:solidFill>
-            <a:schemeClr val="phClr"/>
-          </a:solidFill>
-          <a:prstDash val="solid"/>
-        </a:ln>
-      </a:lnStyleLst>
-      <a:effectStyleLst>
-        <a:effectStyle>
-          <a:effectLst>
-            <a:outerShdw blurRad="40000" dist="20000" dir="5400000" rotWithShape="0">
-              <a:srgbClr val="000000">
-                <a:alpha val="38000"/>
-              </a:srgbClr>
-            </a:outerShdw>
-          </a:effectLst>
-        </a:effectStyle>
-        <a:effectStyle>
-          <a:effectLst>
-            <a:outerShdw blurRad="40000" dist="23000" dir="5400000" rotWithShape="0">
-              <a:srgbClr val="000000">
-                <a:alpha val="35000"/>
-              </a:srgbClr>
-            </a:outerShdw>
-          </a:effectLst>
-        </a:effectStyle>
-        <a:effectStyle>
-          <a:effectLst>
-            <a:outerShdw blurRad="40000" dist="23000" dir="5400000" rotWithShape="0">
-              <a:srgbClr val="000000">
-                <a:alpha val="35000"/>
-              </a:srgbClr>
-            </a:outerShdw>
-          </a:effectLst>
-          <a:scene3d>
-            <a:camera prst="orthographicFront">
-              <a:rot lat="0" lon="0" rev="0"/>
-            </a:camera>
-            <a:lightRig rig="threePt" dir="t">
-              <a:rot lat="0" lon="0" rev="1200000"/>
-            </a:lightRig>
-          </a:scene3d>
-          <a:sp3d>
-            <a:bevelT w="63500" h="25400"/>
-          </a:sp3d>
-        </a:effectStyle>
-      </a:effectStyleLst>
-      <a:bgFillStyleLst>
-        <a:solidFill>
-          <a:schemeClr val="phClr"/>
-        </a:solidFill>
-        <a:gradFill rotWithShape="1">
-          <a:gsLst>
-            <a:gs pos="0">
-              <a:schemeClr val="phClr">
-                <a:tint val="40000"/>
-                <a:satMod val="350000"/>
-              </a:schemeClr>
-            </a:gs>
-            <a:gs pos="40000">
-              <a:schemeClr val="phClr">
-                <a:tint val="45000"/>
-                <a:shade val="99000"/>
-                <a:satMod val="350000"/>
-              </a:schemeClr>
-            </a:gs>
-            <a:gs pos="100000">
-              <a:schemeClr val="phClr">
-                <a:shade val="20000"/>
-                <a:satMod val="255000"/>
-              </a:schemeClr>
-            </a:gs>
-          </a:gsLst>
-          <a:path path="circle">
-            <a:fillToRect l="50000" t="-80000" r="50000" b="180000"/>
-          </a:path>
-        </a:gradFill>
-        <a:gradFill rotWithShape="1">
-          <a:gsLst>
-            <a:gs pos="0">
-              <a:schemeClr val="phClr">
-                <a:tint val="80000"/>
-                <a:satMod val="300000"/>
-              </a:schemeClr>
-            </a:gs>
-            <a:gs pos="100000">
-              <a:schemeClr val="phClr">
-                <a:shade val="30000"/>
-                <a:satMod val="200000"/>
-              </a:schemeClr>
-            </a:gs>
-          </a:gsLst>
-          <a:path path="circle">
-            <a:fillToRect l="50000" t="50000" r="50000" b="50000"/>
-          </a:path>
-        </a:gradFill>
-      </a:bgFillStyleLst>
-    </a:fmtScheme>
-  </a:themeElements>
-</a:theme>
 </file>